--- a/documents/Interim Presentation.pptx
+++ b/documents/Interim Presentation.pptx
@@ -12,7 +12,7 @@
     <p:sldId id="257" r:id="rId3"/>
     <p:sldId id="258" r:id="rId4"/>
     <p:sldId id="259" r:id="rId5"/>
-    <p:sldId id="260" r:id="rId6"/>
+    <p:sldId id="264" r:id="rId6"/>
     <p:sldId id="261" r:id="rId7"/>
     <p:sldId id="262" r:id="rId8"/>
   </p:sldIdLst>
@@ -113,6 +113,11 @@
       </a:defRPr>
     </a:lvl9pPr>
   </p:defaultTextStyle>
+  <p:extLst>
+    <p:ext uri="{EFAFB233-063F-42B5-8137-9DF3F51BA10A}">
+      <p15:sldGuideLst xmlns:p15="http://schemas.microsoft.com/office/powerpoint/2012/main"/>
+    </p:ext>
+  </p:extLst>
 </p:presentation>
 </file>
 
@@ -7222,13 +7227,13 @@
   <p:clrMapOvr>
     <a:overrideClrMapping bg1="lt1" tx1="dk1" bg2="lt2" tx2="dk2" accent1="accent1" accent2="accent2" accent3="accent3" accent4="accent4" accent5="accent5" accent6="accent6" hlink="hlink" folHlink="folHlink"/>
   </p:clrMapOvr>
-  <mc:AlternateContent xmlns:mc="http://schemas.openxmlformats.org/markup-compatibility/2006">
-    <mc:Choice xmlns:p159="http://schemas.microsoft.com/office/powerpoint/2015/09/main" Requires="p159">
+  <mc:AlternateContent xmlns:mc="http://schemas.openxmlformats.org/markup-compatibility/2006" xmlns:p159="http://schemas.microsoft.com/office/powerpoint/2015/09/main">
+    <mc:Choice Requires="p159">
       <p:transition xmlns:p14="http://schemas.microsoft.com/office/powerpoint/2010/main" spd="slow" p14:dur="2000">
         <p159:morph option="byObject"/>
       </p:transition>
     </mc:Choice>
-    <mc:Fallback>
+    <mc:Fallback xmlns="">
       <p:transition spd="slow">
         <p:fade/>
       </p:transition>
@@ -7420,13 +7425,7 @@
   <p:cSld>
     <p:spTree>
       <p:nvGrpSpPr>
-        <p:cNvPr id="1" name="">
-          <a:extLst>
-            <a:ext uri="{FF2B5EF4-FFF2-40B4-BE49-F238E27FC236}">
-              <a16:creationId xmlns:a16="http://schemas.microsoft.com/office/drawing/2014/main" id="{ABE00440-8E44-00ED-0FA2-96E019BB97F1}"/>
-            </a:ext>
-          </a:extLst>
-        </p:cNvPr>
+        <p:cNvPr id="1" name=""/>
         <p:cNvGrpSpPr/>
         <p:nvPr/>
       </p:nvGrpSpPr>
@@ -7443,7 +7442,7 @@
           <p:cNvPr id="2" name="Title 1">
             <a:extLst>
               <a:ext uri="{FF2B5EF4-FFF2-40B4-BE49-F238E27FC236}">
-                <a16:creationId xmlns:a16="http://schemas.microsoft.com/office/drawing/2014/main" id="{CF0AAC0F-74E7-7561-8F31-CDE44956CEC0}"/>
+                <a16:creationId xmlns:a16="http://schemas.microsoft.com/office/drawing/2014/main" id="{4ABD8A5F-47B7-9470-2038-5C60F0986788}"/>
               </a:ext>
             </a:extLst>
           </p:cNvPr>
@@ -7468,10 +7467,10 @@
       </p:sp>
       <p:sp>
         <p:nvSpPr>
-          <p:cNvPr id="3" name="Content Placeholder 2">
+          <p:cNvPr id="3" name="Text Placeholder 2">
             <a:extLst>
               <a:ext uri="{FF2B5EF4-FFF2-40B4-BE49-F238E27FC236}">
-                <a16:creationId xmlns:a16="http://schemas.microsoft.com/office/drawing/2014/main" id="{DC71B40A-59E6-8589-F0E5-5AE011BCDC63}"/>
+                <a16:creationId xmlns:a16="http://schemas.microsoft.com/office/drawing/2014/main" id="{795594C3-AFD3-E3FA-0492-A3F1ABA8D06C}"/>
               </a:ext>
             </a:extLst>
           </p:cNvPr>
@@ -7479,7 +7478,88 @@
             <a:spLocks noGrp="1"/>
           </p:cNvSpPr>
           <p:nvPr>
-            <p:ph idx="1"/>
+            <p:ph type="body" idx="1"/>
+          </p:nvPr>
+        </p:nvSpPr>
+        <p:spPr/>
+        <p:txBody>
+          <a:bodyPr/>
+          <a:lstStyle/>
+          <a:p>
+            <a:r>
+              <a:rPr lang="en-GB" dirty="0"/>
+              <a:t>Bandit Problem Proof of Concept</a:t>
+            </a:r>
+          </a:p>
+        </p:txBody>
+      </p:sp>
+      <p:sp>
+        <p:nvSpPr>
+          <p:cNvPr id="4" name="Content Placeholder 3">
+            <a:extLst>
+              <a:ext uri="{FF2B5EF4-FFF2-40B4-BE49-F238E27FC236}">
+                <a16:creationId xmlns:a16="http://schemas.microsoft.com/office/drawing/2014/main" id="{889101B5-A157-B995-D2AF-EB623742E79D}"/>
+              </a:ext>
+            </a:extLst>
+          </p:cNvPr>
+          <p:cNvSpPr>
+            <a:spLocks noGrp="1"/>
+          </p:cNvSpPr>
+          <p:nvPr>
+            <p:ph sz="half" idx="2"/>
+          </p:nvPr>
+        </p:nvSpPr>
+        <p:spPr/>
+        <p:txBody>
+          <a:bodyPr/>
+          <a:lstStyle/>
+          <a:p>
+            <a:endParaRPr lang="en-GB"/>
+          </a:p>
+        </p:txBody>
+      </p:sp>
+      <p:sp>
+        <p:nvSpPr>
+          <p:cNvPr id="5" name="Text Placeholder 4">
+            <a:extLst>
+              <a:ext uri="{FF2B5EF4-FFF2-40B4-BE49-F238E27FC236}">
+                <a16:creationId xmlns:a16="http://schemas.microsoft.com/office/drawing/2014/main" id="{1D9A580E-4523-10C0-7FB4-1C4F83E90E83}"/>
+              </a:ext>
+            </a:extLst>
+          </p:cNvPr>
+          <p:cNvSpPr>
+            <a:spLocks noGrp="1"/>
+          </p:cNvSpPr>
+          <p:nvPr>
+            <p:ph type="body" sz="quarter" idx="3"/>
+          </p:nvPr>
+        </p:nvSpPr>
+        <p:spPr/>
+        <p:txBody>
+          <a:bodyPr/>
+          <a:lstStyle/>
+          <a:p>
+            <a:r>
+              <a:rPr lang="en-GB" dirty="0"/>
+              <a:t>Connect4 Proof of Concept</a:t>
+            </a:r>
+          </a:p>
+        </p:txBody>
+      </p:sp>
+      <p:sp>
+        <p:nvSpPr>
+          <p:cNvPr id="6" name="Content Placeholder 5">
+            <a:extLst>
+              <a:ext uri="{FF2B5EF4-FFF2-40B4-BE49-F238E27FC236}">
+                <a16:creationId xmlns:a16="http://schemas.microsoft.com/office/drawing/2014/main" id="{EF72A3BA-87CE-38F5-F9EE-C615BF6D1EDF}"/>
+              </a:ext>
+            </a:extLst>
+          </p:cNvPr>
+          <p:cNvSpPr>
+            <a:spLocks noGrp="1"/>
+          </p:cNvSpPr>
+          <p:nvPr>
+            <p:ph sz="quarter" idx="4"/>
           </p:nvPr>
         </p:nvSpPr>
         <p:spPr/>
@@ -7494,7 +7574,7 @@
     </p:spTree>
     <p:extLst>
       <p:ext uri="{BB962C8B-B14F-4D97-AF65-F5344CB8AC3E}">
-        <p14:creationId xmlns:p14="http://schemas.microsoft.com/office/powerpoint/2010/main" val="2994261774"/>
+        <p14:creationId xmlns:p14="http://schemas.microsoft.com/office/powerpoint/2010/main" val="4202131948"/>
       </p:ext>
     </p:extLst>
   </p:cSld>

--- a/documents/Interim Presentation.pptx
+++ b/documents/Interim Presentation.pptx
@@ -7210,10 +7210,49 @@
           </a:bodyPr>
           <a:lstStyle/>
           <a:p>
-            <a:pPr marL="36900" indent="0">
+            <a:pPr marL="36900" indent="0" algn="ctr">
               <a:buNone/>
             </a:pPr>
-            <a:endParaRPr lang="en-GB" dirty="0"/>
+            <a:r>
+              <a:rPr lang="en-GB" dirty="0"/>
+              <a:t>What is Monte-Carlo Tree Search?</a:t>
+            </a:r>
+          </a:p>
+          <a:p>
+            <a:pPr marL="36900" indent="0" algn="ctr">
+              <a:buNone/>
+            </a:pPr>
+            <a:r>
+              <a:rPr lang="en-GB" dirty="0"/>
+              <a:t>How does it work?</a:t>
+            </a:r>
+          </a:p>
+          <a:p>
+            <a:pPr marL="36900" indent="0" algn="ctr">
+              <a:buNone/>
+            </a:pPr>
+            <a:r>
+              <a:rPr lang="en-GB" dirty="0"/>
+              <a:t>Why is it cool?</a:t>
+            </a:r>
+          </a:p>
+          <a:p>
+            <a:pPr marL="36900" indent="0" algn="ctr">
+              <a:buNone/>
+            </a:pPr>
+            <a:r>
+              <a:rPr lang="en-GB" dirty="0"/>
+              <a:t>What has been my approach so far?</a:t>
+            </a:r>
+          </a:p>
+          <a:p>
+            <a:pPr marL="36900" indent="0" algn="ctr">
+              <a:buNone/>
+            </a:pPr>
+            <a:r>
+              <a:rPr lang="en-GB" dirty="0"/>
+              <a:t>What are my next steps?</a:t>
+            </a:r>
           </a:p>
         </p:txBody>
       </p:sp>
@@ -7288,7 +7327,7 @@
           <a:p>
             <a:r>
               <a:rPr lang="en-GB" dirty="0"/>
-              <a:t>Context</a:t>
+              <a:t>What is the algorithm?</a:t>
             </a:r>
           </a:p>
         </p:txBody>
@@ -7314,7 +7353,49 @@
           <a:bodyPr/>
           <a:lstStyle/>
           <a:p>
-            <a:endParaRPr lang="en-GB"/>
+            <a:pPr marL="36900" indent="0">
+              <a:buNone/>
+            </a:pPr>
+            <a:r>
+              <a:rPr lang="en-GB" dirty="0"/>
+              <a:t>A tree search algorithm, an algorithm for searching trees.</a:t>
+            </a:r>
+          </a:p>
+          <a:p>
+            <a:pPr marL="36900" indent="0">
+              <a:buNone/>
+            </a:pPr>
+            <a:r>
+              <a:rPr lang="en-GB" dirty="0"/>
+              <a:t>Mote Carlo Tree Search is a heuristic algorithm; meaning … . </a:t>
+            </a:r>
+          </a:p>
+          <a:p>
+            <a:pPr marL="36900" indent="0">
+              <a:buNone/>
+            </a:pPr>
+            <a:r>
+              <a:rPr lang="en-GB" dirty="0"/>
+              <a:t>It preforms simulations on unexplored parts of the tree and stores the statistics of actions it's made to make more educated selections in each further iteration. </a:t>
+            </a:r>
+          </a:p>
+          <a:p>
+            <a:pPr marL="36900" indent="0">
+              <a:buNone/>
+            </a:pPr>
+            <a:r>
+              <a:rPr lang="en-GB" dirty="0"/>
+              <a:t>It is a great algorithm to showcase the learning capabilities of AI.</a:t>
+            </a:r>
+          </a:p>
+          <a:p>
+            <a:pPr marL="36900" indent="0">
+              <a:buNone/>
+            </a:pPr>
+            <a:r>
+              <a:rPr lang="en-GB" dirty="0"/>
+              <a:t>In my project I will be making a Connect4 game that a person can play against AI that will be using this algorithm.</a:t>
+            </a:r>
           </a:p>
         </p:txBody>
       </p:sp>
@@ -7403,7 +7484,40 @@
           <a:bodyPr/>
           <a:lstStyle/>
           <a:p>
-            <a:endParaRPr lang="en-GB"/>
+            <a:pPr marL="494100" indent="-457200">
+              <a:buAutoNum type="arabicPeriod"/>
+            </a:pPr>
+            <a:r>
+              <a:rPr lang="en-GB" dirty="0"/>
+              <a:t>Selection</a:t>
+            </a:r>
+          </a:p>
+          <a:p>
+            <a:pPr marL="494100" indent="-457200">
+              <a:buAutoNum type="arabicPeriod"/>
+            </a:pPr>
+            <a:r>
+              <a:rPr lang="en-GB" dirty="0"/>
+              <a:t>Expansion</a:t>
+            </a:r>
+          </a:p>
+          <a:p>
+            <a:pPr marL="494100" indent="-457200">
+              <a:buAutoNum type="arabicPeriod"/>
+            </a:pPr>
+            <a:r>
+              <a:rPr lang="en-GB" dirty="0"/>
+              <a:t>Simulation</a:t>
+            </a:r>
+          </a:p>
+          <a:p>
+            <a:pPr marL="494100" indent="-457200">
+              <a:buAutoNum type="arabicPeriod"/>
+            </a:pPr>
+            <a:r>
+              <a:rPr lang="en-GB" dirty="0"/>
+              <a:t>Backpropagation</a:t>
+            </a:r>
           </a:p>
         </p:txBody>
       </p:sp>
@@ -7514,7 +7628,10 @@
           <a:bodyPr/>
           <a:lstStyle/>
           <a:p>
-            <a:endParaRPr lang="en-GB"/>
+            <a:pPr marL="36900" indent="0">
+              <a:buNone/>
+            </a:pPr>
+            <a:endParaRPr lang="en-GB" dirty="0"/>
           </a:p>
         </p:txBody>
       </p:sp>
@@ -7567,7 +7684,10 @@
           <a:bodyPr/>
           <a:lstStyle/>
           <a:p>
-            <a:endParaRPr lang="en-GB"/>
+            <a:pPr marL="36900" indent="0">
+              <a:buNone/>
+            </a:pPr>
+            <a:endParaRPr lang="en-GB" dirty="0"/>
           </a:p>
         </p:txBody>
       </p:sp>
@@ -7656,7 +7776,42 @@
           <a:bodyPr/>
           <a:lstStyle/>
           <a:p>
-            <a:endParaRPr lang="en-GB"/>
+            <a:pPr marL="36900" indent="0">
+              <a:buNone/>
+            </a:pPr>
+            <a:r>
+              <a:rPr lang="en-GB" dirty="0"/>
+              <a:t>Learning about GUI for the Connect4 game.</a:t>
+            </a:r>
+          </a:p>
+          <a:p>
+            <a:pPr marL="36900" indent="0">
+              <a:buNone/>
+            </a:pPr>
+            <a:r>
+              <a:rPr lang="en-GB" dirty="0"/>
+              <a:t>Using my knowledge from the bandit problem </a:t>
+            </a:r>
+            <a:r>
+              <a:rPr lang="en-GB" dirty="0" err="1"/>
+              <a:t>poc</a:t>
+            </a:r>
+            <a:r>
+              <a:rPr lang="en-GB" dirty="0"/>
+              <a:t> and the research done into monte-</a:t>
+            </a:r>
+            <a:r>
+              <a:rPr lang="en-GB" dirty="0" err="1"/>
+              <a:t>carlo</a:t>
+            </a:r>
+            <a:r>
+              <a:rPr lang="en-GB" dirty="0"/>
+              <a:t> tree search to successfully code an Ai to </a:t>
+            </a:r>
+            <a:r>
+              <a:rPr lang="en-GB"/>
+              <a:t>play Connect4.</a:t>
+            </a:r>
           </a:p>
         </p:txBody>
       </p:sp>

--- a/documents/Interim Presentation.pptx
+++ b/documents/Interim Presentation.pptx
@@ -5,16 +5,17 @@
     <p:sldMasterId id="2147483660" r:id="rId1"/>
   </p:sldMasterIdLst>
   <p:notesMasterIdLst>
-    <p:notesMasterId r:id="rId9"/>
+    <p:notesMasterId r:id="rId10"/>
   </p:notesMasterIdLst>
   <p:sldIdLst>
     <p:sldId id="256" r:id="rId2"/>
     <p:sldId id="257" r:id="rId3"/>
     <p:sldId id="258" r:id="rId4"/>
-    <p:sldId id="259" r:id="rId5"/>
-    <p:sldId id="264" r:id="rId6"/>
-    <p:sldId id="261" r:id="rId7"/>
-    <p:sldId id="262" r:id="rId8"/>
+    <p:sldId id="265" r:id="rId5"/>
+    <p:sldId id="259" r:id="rId6"/>
+    <p:sldId id="264" r:id="rId7"/>
+    <p:sldId id="261" r:id="rId8"/>
+    <p:sldId id="262" r:id="rId9"/>
   </p:sldIdLst>
   <p:sldSz cx="12192000" cy="6858000"/>
   <p:notesSz cx="6858000" cy="9144000"/>
@@ -203,7 +204,7 @@
           <a:p>
             <a:fld id="{CB5C49C9-DF04-4E8F-AF05-B27ECBB4FBFB}" type="datetimeFigureOut">
               <a:rPr lang="en-GB" smtClean="0"/>
-              <a:t>04/12/2024</a:t>
+              <a:t>06/12/2024</a:t>
             </a:fld>
             <a:endParaRPr lang="en-GB"/>
           </a:p>
@@ -824,7 +825,7 @@
           <a:p>
             <a:fld id="{D618160B-95F8-46C8-B491-9457990F652B}" type="datetimeFigureOut">
               <a:rPr lang="en-GB" smtClean="0"/>
-              <a:t>04/12/2024</a:t>
+              <a:t>06/12/2024</a:t>
             </a:fld>
             <a:endParaRPr lang="en-GB"/>
           </a:p>
@@ -1122,7 +1123,7 @@
           <a:p>
             <a:fld id="{D618160B-95F8-46C8-B491-9457990F652B}" type="datetimeFigureOut">
               <a:rPr lang="en-GB" smtClean="0"/>
-              <a:t>04/12/2024</a:t>
+              <a:t>06/12/2024</a:t>
             </a:fld>
             <a:endParaRPr lang="en-GB"/>
           </a:p>
@@ -1314,7 +1315,7 @@
           <a:p>
             <a:fld id="{D618160B-95F8-46C8-B491-9457990F652B}" type="datetimeFigureOut">
               <a:rPr lang="en-GB" smtClean="0"/>
-              <a:t>04/12/2024</a:t>
+              <a:t>06/12/2024</a:t>
             </a:fld>
             <a:endParaRPr lang="en-GB"/>
           </a:p>
@@ -1575,7 +1576,7 @@
           <a:p>
             <a:fld id="{D618160B-95F8-46C8-B491-9457990F652B}" type="datetimeFigureOut">
               <a:rPr lang="en-GB" smtClean="0"/>
-              <a:t>04/12/2024</a:t>
+              <a:t>06/12/2024</a:t>
             </a:fld>
             <a:endParaRPr lang="en-GB"/>
           </a:p>
@@ -1999,7 +2000,7 @@
           <a:p>
             <a:fld id="{D618160B-95F8-46C8-B491-9457990F652B}" type="datetimeFigureOut">
               <a:rPr lang="en-GB" smtClean="0"/>
-              <a:t>04/12/2024</a:t>
+              <a:t>06/12/2024</a:t>
             </a:fld>
             <a:endParaRPr lang="en-GB"/>
           </a:p>
@@ -2536,7 +2537,7 @@
           <a:p>
             <a:fld id="{D618160B-95F8-46C8-B491-9457990F652B}" type="datetimeFigureOut">
               <a:rPr lang="en-GB" smtClean="0"/>
-              <a:t>04/12/2024</a:t>
+              <a:t>06/12/2024</a:t>
             </a:fld>
             <a:endParaRPr lang="en-GB"/>
           </a:p>
@@ -3400,7 +3401,7 @@
           <a:p>
             <a:fld id="{D618160B-95F8-46C8-B491-9457990F652B}" type="datetimeFigureOut">
               <a:rPr lang="en-GB" smtClean="0"/>
-              <a:t>04/12/2024</a:t>
+              <a:t>06/12/2024</a:t>
             </a:fld>
             <a:endParaRPr lang="en-GB"/>
           </a:p>
@@ -3570,7 +3571,7 @@
           <a:p>
             <a:fld id="{D618160B-95F8-46C8-B491-9457990F652B}" type="datetimeFigureOut">
               <a:rPr lang="en-GB" smtClean="0"/>
-              <a:t>04/12/2024</a:t>
+              <a:t>06/12/2024</a:t>
             </a:fld>
             <a:endParaRPr lang="en-GB"/>
           </a:p>
@@ -3754,7 +3755,7 @@
           <a:p>
             <a:fld id="{D618160B-95F8-46C8-B491-9457990F652B}" type="datetimeFigureOut">
               <a:rPr lang="en-GB" smtClean="0"/>
-              <a:t>04/12/2024</a:t>
+              <a:t>06/12/2024</a:t>
             </a:fld>
             <a:endParaRPr lang="en-GB"/>
           </a:p>
@@ -3924,7 +3925,7 @@
           <a:p>
             <a:fld id="{D618160B-95F8-46C8-B491-9457990F652B}" type="datetimeFigureOut">
               <a:rPr lang="en-GB" smtClean="0"/>
-              <a:t>04/12/2024</a:t>
+              <a:t>06/12/2024</a:t>
             </a:fld>
             <a:endParaRPr lang="en-GB"/>
           </a:p>
@@ -4168,7 +4169,7 @@
           <a:p>
             <a:fld id="{D618160B-95F8-46C8-B491-9457990F652B}" type="datetimeFigureOut">
               <a:rPr lang="en-GB" smtClean="0"/>
-              <a:t>04/12/2024</a:t>
+              <a:t>06/12/2024</a:t>
             </a:fld>
             <a:endParaRPr lang="en-GB"/>
           </a:p>
@@ -4404,7 +4405,7 @@
           <a:p>
             <a:fld id="{D618160B-95F8-46C8-B491-9457990F652B}" type="datetimeFigureOut">
               <a:rPr lang="en-GB" smtClean="0"/>
-              <a:t>04/12/2024</a:t>
+              <a:t>06/12/2024</a:t>
             </a:fld>
             <a:endParaRPr lang="en-GB"/>
           </a:p>
@@ -4870,7 +4871,7 @@
           <a:p>
             <a:fld id="{D618160B-95F8-46C8-B491-9457990F652B}" type="datetimeFigureOut">
               <a:rPr lang="en-GB" smtClean="0"/>
-              <a:t>04/12/2024</a:t>
+              <a:t>06/12/2024</a:t>
             </a:fld>
             <a:endParaRPr lang="en-GB"/>
           </a:p>
@@ -4988,7 +4989,7 @@
           <a:p>
             <a:fld id="{D618160B-95F8-46C8-B491-9457990F652B}" type="datetimeFigureOut">
               <a:rPr lang="en-GB" smtClean="0"/>
-              <a:t>04/12/2024</a:t>
+              <a:t>06/12/2024</a:t>
             </a:fld>
             <a:endParaRPr lang="en-GB"/>
           </a:p>
@@ -5083,7 +5084,7 @@
           <a:p>
             <a:fld id="{D618160B-95F8-46C8-B491-9457990F652B}" type="datetimeFigureOut">
               <a:rPr lang="en-GB" smtClean="0"/>
-              <a:t>04/12/2024</a:t>
+              <a:t>06/12/2024</a:t>
             </a:fld>
             <a:endParaRPr lang="en-GB"/>
           </a:p>
@@ -5338,7 +5339,7 @@
           <a:p>
             <a:fld id="{D618160B-95F8-46C8-B491-9457990F652B}" type="datetimeFigureOut">
               <a:rPr lang="en-GB" smtClean="0"/>
-              <a:t>04/12/2024</a:t>
+              <a:t>06/12/2024</a:t>
             </a:fld>
             <a:endParaRPr lang="en-GB"/>
           </a:p>
@@ -5638,7 +5639,7 @@
           <a:p>
             <a:fld id="{D618160B-95F8-46C8-B491-9457990F652B}" type="datetimeFigureOut">
               <a:rPr lang="en-GB" smtClean="0"/>
-              <a:t>04/12/2024</a:t>
+              <a:t>06/12/2024</a:t>
             </a:fld>
             <a:endParaRPr lang="en-GB"/>
           </a:p>
@@ -5872,7 +5873,7 @@
           <a:p>
             <a:fld id="{D618160B-95F8-46C8-B491-9457990F652B}" type="datetimeFigureOut">
               <a:rPr lang="en-GB" smtClean="0"/>
-              <a:t>04/12/2024</a:t>
+              <a:t>06/12/2024</a:t>
             </a:fld>
             <a:endParaRPr lang="en-GB"/>
           </a:p>
@@ -7242,6 +7243,15 @@
             </a:pPr>
             <a:r>
               <a:rPr lang="en-GB" dirty="0"/>
+              <a:t>How will I be using it in this project?</a:t>
+            </a:r>
+          </a:p>
+          <a:p>
+            <a:pPr marL="36900" indent="0" algn="ctr">
+              <a:buNone/>
+            </a:pPr>
+            <a:r>
+              <a:rPr lang="en-GB" dirty="0"/>
               <a:t>What has been my approach so far?</a:t>
             </a:r>
           </a:p>
@@ -7322,11 +7332,13 @@
         </p:nvSpPr>
         <p:spPr/>
         <p:txBody>
-          <a:bodyPr/>
+          <a:bodyPr>
+            <a:normAutofit/>
+          </a:bodyPr>
           <a:lstStyle/>
           <a:p>
             <a:r>
-              <a:rPr lang="en-GB" dirty="0"/>
+              <a:rPr lang="en-GB" sz="4800" dirty="0"/>
               <a:t>What is the algorithm?</a:t>
             </a:r>
           </a:p>
@@ -7350,15 +7362,89 @@
         </p:nvSpPr>
         <p:spPr/>
         <p:txBody>
-          <a:bodyPr/>
+          <a:bodyPr>
+            <a:normAutofit fontScale="92500" lnSpcReduction="10000"/>
+          </a:bodyPr>
           <a:lstStyle/>
           <a:p>
+            <a:pPr marL="36900" indent="0" algn="ctr">
+              <a:buNone/>
+            </a:pPr>
+            <a:r>
+              <a:rPr lang="en-GB" sz="2200" dirty="0"/>
+              <a:t>A tree search algorithm, an algorithm for searching trees.</a:t>
+            </a:r>
+          </a:p>
+          <a:p>
+            <a:pPr marL="36900" indent="0" algn="ctr">
+              <a:buNone/>
+            </a:pPr>
+            <a:endParaRPr lang="en-GB" dirty="0"/>
+          </a:p>
+          <a:p>
             <a:pPr marL="36900" indent="0">
               <a:buNone/>
             </a:pPr>
             <a:r>
-              <a:rPr lang="en-GB" dirty="0"/>
-              <a:t>A tree search algorithm, an algorithm for searching trees.</a:t>
+              <a:rPr lang="en-GB" sz="2200" b="1" dirty="0"/>
+              <a:t>Monte Carlo Tree Search (MCTS)</a:t>
+            </a:r>
+            <a:r>
+              <a:rPr lang="en-GB" sz="2200" dirty="0"/>
+              <a:t> is a decision-making algorithm commonly used in games and similar applications. It utilizes randomness and statistical methods to explore large decision trees efficiently. The process involves four main steps:</a:t>
+            </a:r>
+          </a:p>
+          <a:p>
+            <a:pPr>
+              <a:buFont typeface="+mj-lt"/>
+              <a:buAutoNum type="arabicPeriod"/>
+            </a:pPr>
+            <a:r>
+              <a:rPr lang="en-GB" sz="2200" b="1" dirty="0"/>
+              <a:t>Selection</a:t>
+            </a:r>
+            <a:endParaRPr lang="en-GB" sz="2200" dirty="0"/>
+          </a:p>
+          <a:p>
+            <a:pPr>
+              <a:buFont typeface="+mj-lt"/>
+              <a:buAutoNum type="arabicPeriod"/>
+            </a:pPr>
+            <a:r>
+              <a:rPr lang="en-GB" sz="2200" b="1" dirty="0"/>
+              <a:t>Expansion</a:t>
+            </a:r>
+            <a:r>
+              <a:rPr lang="en-GB" sz="2200" dirty="0"/>
+              <a:t> </a:t>
+            </a:r>
+          </a:p>
+          <a:p>
+            <a:pPr>
+              <a:buFont typeface="+mj-lt"/>
+              <a:buAutoNum type="arabicPeriod"/>
+            </a:pPr>
+            <a:r>
+              <a:rPr lang="en-GB" sz="2200" b="1" dirty="0"/>
+              <a:t>Simulation</a:t>
+            </a:r>
+            <a:r>
+              <a:rPr lang="en-GB" sz="2200" dirty="0"/>
+              <a:t> </a:t>
+            </a:r>
+          </a:p>
+          <a:p>
+            <a:pPr>
+              <a:buFont typeface="+mj-lt"/>
+              <a:buAutoNum type="arabicPeriod"/>
+            </a:pPr>
+            <a:r>
+              <a:rPr lang="en-GB" sz="2200" b="1" dirty="0"/>
+              <a:t>Backpropagation</a:t>
+            </a:r>
+            <a:r>
+              <a:rPr lang="en-GB" sz="2200" dirty="0"/>
+              <a:t> </a:t>
             </a:r>
           </a:p>
           <a:p>
@@ -7366,35 +7452,8 @@
               <a:buNone/>
             </a:pPr>
             <a:r>
-              <a:rPr lang="en-GB" dirty="0"/>
-              <a:t>Mote Carlo Tree Search is a heuristic algorithm; meaning … . </a:t>
-            </a:r>
-          </a:p>
-          <a:p>
-            <a:pPr marL="36900" indent="0">
-              <a:buNone/>
-            </a:pPr>
-            <a:r>
-              <a:rPr lang="en-GB" dirty="0"/>
-              <a:t>It preforms simulations on unexplored parts of the tree and stores the statistics of actions it's made to make more educated selections in each further iteration. </a:t>
-            </a:r>
-          </a:p>
-          <a:p>
-            <a:pPr marL="36900" indent="0">
-              <a:buNone/>
-            </a:pPr>
-            <a:r>
-              <a:rPr lang="en-GB" dirty="0"/>
-              <a:t>It is a great algorithm to showcase the learning capabilities of AI.</a:t>
-            </a:r>
-          </a:p>
-          <a:p>
-            <a:pPr marL="36900" indent="0">
-              <a:buNone/>
-            </a:pPr>
-            <a:r>
-              <a:rPr lang="en-GB" dirty="0"/>
-              <a:t>In my project I will be making a Connect4 game that a person can play against AI that will be using this algorithm.</a:t>
+              <a:rPr lang="en-GB" sz="2200" dirty="0"/>
+              <a:t>MCTS is a powerful tool in AI, enabling intelligent and adaptive gameplay in environments like Go, Chess, and Connect4 without needing exhaustive computations.</a:t>
             </a:r>
           </a:p>
         </p:txBody>
@@ -7413,6 +7472,299 @@
 </file>
 
 <file path=ppt/slides/slide4.xml><?xml version="1.0" encoding="utf-8"?>
+<p:sld xmlns:a="http://schemas.openxmlformats.org/drawingml/2006/main" xmlns:r="http://schemas.openxmlformats.org/officeDocument/2006/relationships" xmlns:p="http://schemas.openxmlformats.org/presentationml/2006/main">
+  <p:cSld>
+    <p:bg>
+      <p:bgPr>
+        <a:blipFill rotWithShape="1">
+          <a:blip r:embed="rId2">
+            <a:duotone>
+              <a:schemeClr val="bg2">
+                <a:shade val="80000"/>
+                <a:lumMod val="80000"/>
+              </a:schemeClr>
+              <a:schemeClr val="bg2">
+                <a:tint val="98000"/>
+              </a:schemeClr>
+            </a:duotone>
+          </a:blip>
+          <a:stretch/>
+        </a:blipFill>
+        <a:effectLst/>
+      </p:bgPr>
+    </p:bg>
+    <p:spTree>
+      <p:nvGrpSpPr>
+        <p:cNvPr id="1" name=""/>
+        <p:cNvGrpSpPr/>
+        <p:nvPr/>
+      </p:nvGrpSpPr>
+      <p:grpSpPr>
+        <a:xfrm>
+          <a:off x="0" y="0"/>
+          <a:ext cx="0" cy="0"/>
+          <a:chOff x="0" y="0"/>
+          <a:chExt cx="0" cy="0"/>
+        </a:xfrm>
+      </p:grpSpPr>
+      <p:sp>
+        <p:nvSpPr>
+          <p:cNvPr id="1034" name="Rectangle 1033">
+            <a:extLst>
+              <a:ext uri="{FF2B5EF4-FFF2-40B4-BE49-F238E27FC236}">
+                <a16:creationId xmlns:a16="http://schemas.microsoft.com/office/drawing/2014/main" id="{E24F7045-1B8B-4422-9330-0BC8BF6065E3}"/>
+              </a:ext>
+              <a:ext uri="{C183D7F6-B498-43B3-948B-1728B52AA6E4}">
+                <adec:decorative xmlns:adec="http://schemas.microsoft.com/office/drawing/2017/decorative" val="1"/>
+              </a:ext>
+            </a:extLst>
+          </p:cNvPr>
+          <p:cNvSpPr>
+            <a:spLocks noGrp="1" noRot="1" noChangeAspect="1" noMove="1" noResize="1" noEditPoints="1" noAdjustHandles="1" noChangeArrowheads="1" noChangeShapeType="1" noTextEdit="1"/>
+          </p:cNvSpPr>
+          <p:nvPr>
+            <p:extLst>
+              <p:ext uri="{386F3935-93C4-4BCD-93E2-E3B085C9AB24}">
+                <p16:designElem xmlns:p16="http://schemas.microsoft.com/office/powerpoint/2015/main" val="1"/>
+              </p:ext>
+            </p:extLst>
+          </p:nvPr>
+        </p:nvSpPr>
+        <p:spPr>
+          <a:xfrm>
+            <a:off x="0" y="0"/>
+            <a:ext cx="12192000" cy="6858000"/>
+          </a:xfrm>
+          <a:prstGeom prst="rect">
+            <a:avLst/>
+          </a:prstGeom>
+          <a:solidFill>
+            <a:schemeClr val="bg2"/>
+          </a:solidFill>
+          <a:ln>
+            <a:noFill/>
+          </a:ln>
+        </p:spPr>
+        <p:style>
+          <a:lnRef idx="2">
+            <a:schemeClr val="accent1">
+              <a:shade val="50000"/>
+            </a:schemeClr>
+          </a:lnRef>
+          <a:fillRef idx="1">
+            <a:schemeClr val="accent1"/>
+          </a:fillRef>
+          <a:effectRef idx="0">
+            <a:schemeClr val="accent1"/>
+          </a:effectRef>
+          <a:fontRef idx="minor">
+            <a:schemeClr val="lt1"/>
+          </a:fontRef>
+        </p:style>
+        <p:txBody>
+          <a:bodyPr rtlCol="0" anchor="ctr"/>
+          <a:lstStyle/>
+          <a:p>
+            <a:pPr algn="ctr"/>
+            <a:endParaRPr lang="en-US"/>
+          </a:p>
+        </p:txBody>
+      </p:sp>
+      <p:sp>
+        <p:nvSpPr>
+          <p:cNvPr id="1033" name="Rectangle 1032">
+            <a:extLst>
+              <a:ext uri="{FF2B5EF4-FFF2-40B4-BE49-F238E27FC236}">
+                <a16:creationId xmlns:a16="http://schemas.microsoft.com/office/drawing/2014/main" id="{7ED0B3BD-E968-4364-878A-47D3A6AEF099}"/>
+              </a:ext>
+              <a:ext uri="{C183D7F6-B498-43B3-948B-1728B52AA6E4}">
+                <adec:decorative xmlns:adec="http://schemas.microsoft.com/office/drawing/2017/decorative" val="1"/>
+              </a:ext>
+            </a:extLst>
+          </p:cNvPr>
+          <p:cNvSpPr>
+            <a:spLocks noGrp="1" noRot="1" noChangeAspect="1" noMove="1" noResize="1" noEditPoints="1" noAdjustHandles="1" noChangeArrowheads="1" noChangeShapeType="1" noTextEdit="1"/>
+          </p:cNvSpPr>
+          <p:nvPr>
+            <p:extLst>
+              <p:ext uri="{386F3935-93C4-4BCD-93E2-E3B085C9AB24}">
+                <p16:designElem xmlns:p16="http://schemas.microsoft.com/office/powerpoint/2015/main" val="1"/>
+              </p:ext>
+            </p:extLst>
+          </p:nvPr>
+        </p:nvSpPr>
+        <p:spPr>
+          <a:xfrm>
+            <a:off x="477012" y="480060"/>
+            <a:ext cx="11237976" cy="5897880"/>
+          </a:xfrm>
+          <a:prstGeom prst="rect">
+            <a:avLst/>
+          </a:prstGeom>
+          <a:solidFill>
+            <a:srgbClr val="FFFFFF"/>
+          </a:solidFill>
+          <a:ln w="9525">
+            <a:noFill/>
+          </a:ln>
+          <a:effectLst>
+            <a:outerShdw blurRad="63500" dist="17780" dir="5400000" algn="t" rotWithShape="0">
+              <a:prstClr val="black">
+                <a:alpha val="43000"/>
+              </a:prstClr>
+            </a:outerShdw>
+          </a:effectLst>
+        </p:spPr>
+        <p:style>
+          <a:lnRef idx="2">
+            <a:schemeClr val="accent1">
+              <a:shade val="50000"/>
+            </a:schemeClr>
+          </a:lnRef>
+          <a:fillRef idx="1">
+            <a:schemeClr val="accent1"/>
+          </a:fillRef>
+          <a:effectRef idx="0">
+            <a:schemeClr val="accent1"/>
+          </a:effectRef>
+          <a:fontRef idx="minor">
+            <a:schemeClr val="lt1"/>
+          </a:fontRef>
+        </p:style>
+        <p:txBody>
+          <a:bodyPr rtlCol="0" anchor="ctr"/>
+          <a:lstStyle/>
+          <a:p>
+            <a:pPr algn="ctr"/>
+            <a:endParaRPr lang="en-US"/>
+          </a:p>
+        </p:txBody>
+      </p:sp>
+      <p:pic>
+        <p:nvPicPr>
+          <p:cNvPr id="1026" name="Picture 2" descr="Monte Carlo Tree Search steps [5] | Download Scientific Diagram">
+            <a:extLst>
+              <a:ext uri="{FF2B5EF4-FFF2-40B4-BE49-F238E27FC236}">
+                <a16:creationId xmlns:a16="http://schemas.microsoft.com/office/drawing/2014/main" id="{DDA34118-BC98-B1EE-5F4B-AAC484372B77}"/>
+              </a:ext>
+            </a:extLst>
+          </p:cNvPr>
+          <p:cNvPicPr>
+            <a:picLocks noChangeAspect="1" noChangeArrowheads="1"/>
+          </p:cNvPicPr>
+          <p:nvPr/>
+        </p:nvPicPr>
+        <p:blipFill>
+          <a:blip r:embed="rId3">
+            <a:extLst>
+              <a:ext uri="{28A0092B-C50C-407E-A947-70E740481C1C}">
+                <a14:useLocalDpi xmlns:a14="http://schemas.microsoft.com/office/drawing/2010/main" val="0"/>
+              </a:ext>
+            </a:extLst>
+          </a:blip>
+          <a:stretch>
+            <a:fillRect/>
+          </a:stretch>
+        </p:blipFill>
+        <p:spPr bwMode="auto">
+          <a:xfrm>
+            <a:off x="643467" y="1023471"/>
+            <a:ext cx="10905066" cy="4811058"/>
+          </a:xfrm>
+          <a:prstGeom prst="rect">
+            <a:avLst/>
+          </a:prstGeom>
+          <a:noFill/>
+          <a:extLst>
+            <a:ext uri="{909E8E84-426E-40DD-AFC4-6F175D3DCCD1}">
+              <a14:hiddenFill xmlns:a14="http://schemas.microsoft.com/office/drawing/2010/main">
+                <a:solidFill>
+                  <a:srgbClr val="FFFFFF"/>
+                </a:solidFill>
+              </a14:hiddenFill>
+            </a:ext>
+          </a:extLst>
+        </p:spPr>
+      </p:pic>
+      <p:sp>
+        <p:nvSpPr>
+          <p:cNvPr id="1035" name="Rectangle 1034">
+            <a:extLst>
+              <a:ext uri="{FF2B5EF4-FFF2-40B4-BE49-F238E27FC236}">
+                <a16:creationId xmlns:a16="http://schemas.microsoft.com/office/drawing/2014/main" id="{C8E5BCBF-E5D0-444B-A584-4A5FF79F9D7E}"/>
+              </a:ext>
+              <a:ext uri="{C183D7F6-B498-43B3-948B-1728B52AA6E4}">
+                <adec:decorative xmlns:adec="http://schemas.microsoft.com/office/drawing/2017/decorative" val="1"/>
+              </a:ext>
+            </a:extLst>
+          </p:cNvPr>
+          <p:cNvSpPr>
+            <a:spLocks noGrp="1" noRot="1" noChangeAspect="1" noMove="1" noResize="1" noEditPoints="1" noAdjustHandles="1" noChangeArrowheads="1" noChangeShapeType="1" noTextEdit="1"/>
+          </p:cNvSpPr>
+          <p:nvPr>
+            <p:extLst>
+              <p:ext uri="{386F3935-93C4-4BCD-93E2-E3B085C9AB24}">
+                <p16:designElem xmlns:p16="http://schemas.microsoft.com/office/powerpoint/2015/main" val="1"/>
+              </p:ext>
+            </p:extLst>
+          </p:nvPr>
+        </p:nvSpPr>
+        <p:spPr>
+          <a:xfrm>
+            <a:off x="483347" y="482600"/>
+            <a:ext cx="11240496" cy="5892800"/>
+          </a:xfrm>
+          <a:prstGeom prst="rect">
+            <a:avLst/>
+          </a:prstGeom>
+          <a:noFill/>
+          <a:ln w="190500">
+            <a:solidFill>
+              <a:schemeClr val="tx1">
+                <a:alpha val="7000"/>
+              </a:schemeClr>
+            </a:solidFill>
+          </a:ln>
+        </p:spPr>
+        <p:style>
+          <a:lnRef idx="2">
+            <a:schemeClr val="accent1">
+              <a:shade val="50000"/>
+            </a:schemeClr>
+          </a:lnRef>
+          <a:fillRef idx="1">
+            <a:schemeClr val="accent1"/>
+          </a:fillRef>
+          <a:effectRef idx="0">
+            <a:schemeClr val="accent1"/>
+          </a:effectRef>
+          <a:fontRef idx="minor">
+            <a:schemeClr val="lt1"/>
+          </a:fontRef>
+        </p:style>
+        <p:txBody>
+          <a:bodyPr rtlCol="0" anchor="ctr"/>
+          <a:lstStyle/>
+          <a:p>
+            <a:pPr algn="ctr"/>
+            <a:endParaRPr lang="en-US"/>
+          </a:p>
+        </p:txBody>
+      </p:sp>
+    </p:spTree>
+    <p:extLst>
+      <p:ext uri="{BB962C8B-B14F-4D97-AF65-F5344CB8AC3E}">
+        <p14:creationId xmlns:p14="http://schemas.microsoft.com/office/powerpoint/2010/main" val="2704661844"/>
+      </p:ext>
+    </p:extLst>
+  </p:cSld>
+  <p:clrMapOvr>
+    <a:masterClrMapping/>
+  </p:clrMapOvr>
+</p:sld>
+</file>
+
+<file path=ppt/slides/slide5.xml><?xml version="1.0" encoding="utf-8"?>
 <p:sld xmlns:a="http://schemas.openxmlformats.org/drawingml/2006/main" xmlns:r="http://schemas.openxmlformats.org/officeDocument/2006/relationships" xmlns:p="http://schemas.openxmlformats.org/presentationml/2006/main">
   <p:cSld>
     <p:spTree>
@@ -7453,12 +7805,14 @@
         </p:nvSpPr>
         <p:spPr/>
         <p:txBody>
-          <a:bodyPr/>
+          <a:bodyPr>
+            <a:normAutofit/>
+          </a:bodyPr>
           <a:lstStyle/>
           <a:p>
             <a:r>
-              <a:rPr lang="en-GB" dirty="0"/>
-              <a:t>Main Concept</a:t>
+              <a:rPr lang="en-GB" sz="4800" dirty="0"/>
+              <a:t>How will it be used in this project?</a:t>
             </a:r>
           </a:p>
         </p:txBody>
@@ -7484,40 +7838,43 @@
           <a:bodyPr/>
           <a:lstStyle/>
           <a:p>
-            <a:pPr marL="494100" indent="-457200">
-              <a:buAutoNum type="arabicPeriod"/>
+            <a:pPr marL="36900" indent="0" algn="ctr">
+              <a:buNone/>
             </a:pPr>
+            <a:endParaRPr lang="en-GB" dirty="0"/>
+          </a:p>
+          <a:p>
+            <a:pPr marL="36900" indent="0" algn="ctr">
+              <a:buNone/>
+            </a:pPr>
             <a:r>
               <a:rPr lang="en-GB" dirty="0"/>
-              <a:t>Selection</a:t>
-            </a:r>
-          </a:p>
-          <a:p>
-            <a:pPr marL="494100" indent="-457200">
-              <a:buAutoNum type="arabicPeriod"/>
+              <a:t>Monte Carlo Tree Search (MCTS) is an effective algorithm for creating AI in games like Connect4, where the decision space is large. By simulating multiple potential moves and analysing their outcomes, MCTS enables the AI to make informed decisions without exhaustive search. </a:t>
+            </a:r>
+          </a:p>
+          <a:p>
+            <a:pPr marL="36900" indent="0" algn="ctr">
+              <a:buNone/>
             </a:pPr>
             <a:r>
               <a:rPr lang="en-GB" dirty="0"/>
-              <a:t>Expansion</a:t>
-            </a:r>
-          </a:p>
-          <a:p>
-            <a:pPr marL="494100" indent="-457200">
-              <a:buAutoNum type="arabicPeriod"/>
+              <a:t>This makes it a powerful tool for developing an AI opponent that is both challenging and dynamic. </a:t>
+            </a:r>
+          </a:p>
+          <a:p>
+            <a:pPr marL="36900" indent="0" algn="ctr">
+              <a:buNone/>
             </a:pPr>
             <a:r>
               <a:rPr lang="en-GB" dirty="0"/>
-              <a:t>Simulation</a:t>
-            </a:r>
-          </a:p>
-          <a:p>
-            <a:pPr marL="494100" indent="-457200">
-              <a:buAutoNum type="arabicPeriod"/>
+              <a:t>Using MCTS in Connect4 not only showcases the algorithm’s capability to handle complex decision-making but also provides an engaging way to demonstrate AI in action.</a:t>
+            </a:r>
+          </a:p>
+          <a:p>
+            <a:pPr marL="36900" indent="0" algn="ctr">
+              <a:buNone/>
             </a:pPr>
-            <a:r>
-              <a:rPr lang="en-GB" dirty="0"/>
-              <a:t>Backpropagation</a:t>
-            </a:r>
+            <a:endParaRPr lang="en-GB" dirty="0"/>
           </a:p>
         </p:txBody>
       </p:sp>
@@ -7534,7 +7891,7 @@
 </p:sld>
 </file>
 
-<file path=ppt/slides/slide5.xml><?xml version="1.0" encoding="utf-8"?>
+<file path=ppt/slides/slide6.xml><?xml version="1.0" encoding="utf-8"?>
 <p:sld xmlns:a="http://schemas.openxmlformats.org/drawingml/2006/main" xmlns:r="http://schemas.openxmlformats.org/officeDocument/2006/relationships" xmlns:p="http://schemas.openxmlformats.org/presentationml/2006/main">
   <p:cSld>
     <p:spTree>
@@ -7569,11 +7926,13 @@
         </p:nvSpPr>
         <p:spPr/>
         <p:txBody>
-          <a:bodyPr/>
+          <a:bodyPr>
+            <a:normAutofit/>
+          </a:bodyPr>
           <a:lstStyle/>
           <a:p>
             <a:r>
-              <a:rPr lang="en-GB" dirty="0"/>
+              <a:rPr lang="en-GB" sz="4800" dirty="0"/>
               <a:t>Progress so far</a:t>
             </a:r>
           </a:p>
@@ -7609,34 +7968,6 @@
       </p:sp>
       <p:sp>
         <p:nvSpPr>
-          <p:cNvPr id="4" name="Content Placeholder 3">
-            <a:extLst>
-              <a:ext uri="{FF2B5EF4-FFF2-40B4-BE49-F238E27FC236}">
-                <a16:creationId xmlns:a16="http://schemas.microsoft.com/office/drawing/2014/main" id="{889101B5-A157-B995-D2AF-EB623742E79D}"/>
-              </a:ext>
-            </a:extLst>
-          </p:cNvPr>
-          <p:cNvSpPr>
-            <a:spLocks noGrp="1"/>
-          </p:cNvSpPr>
-          <p:nvPr>
-            <p:ph sz="half" idx="2"/>
-          </p:nvPr>
-        </p:nvSpPr>
-        <p:spPr/>
-        <p:txBody>
-          <a:bodyPr/>
-          <a:lstStyle/>
-          <a:p>
-            <a:pPr marL="36900" indent="0">
-              <a:buNone/>
-            </a:pPr>
-            <a:endParaRPr lang="en-GB" dirty="0"/>
-          </a:p>
-        </p:txBody>
-      </p:sp>
-      <p:sp>
-        <p:nvSpPr>
           <p:cNvPr id="5" name="Text Placeholder 4">
             <a:extLst>
               <a:ext uri="{FF2B5EF4-FFF2-40B4-BE49-F238E27FC236}">
@@ -7663,34 +7994,76 @@
           </a:p>
         </p:txBody>
       </p:sp>
-      <p:sp>
-        <p:nvSpPr>
-          <p:cNvPr id="6" name="Content Placeholder 5">
+      <p:pic>
+        <p:nvPicPr>
+          <p:cNvPr id="11" name="Content Placeholder 10" descr="A yellow board game with red and blue circles&#10;&#10;Description automatically generated">
             <a:extLst>
               <a:ext uri="{FF2B5EF4-FFF2-40B4-BE49-F238E27FC236}">
-                <a16:creationId xmlns:a16="http://schemas.microsoft.com/office/drawing/2014/main" id="{EF72A3BA-87CE-38F5-F9EE-C615BF6D1EDF}"/>
+                <a16:creationId xmlns:a16="http://schemas.microsoft.com/office/drawing/2014/main" id="{5DC4894D-64A7-4687-C768-1E3385F51847}"/>
               </a:ext>
             </a:extLst>
           </p:cNvPr>
-          <p:cNvSpPr>
-            <a:spLocks noGrp="1"/>
-          </p:cNvSpPr>
+          <p:cNvPicPr>
+            <a:picLocks noGrp="1" noChangeAspect="1"/>
+          </p:cNvPicPr>
           <p:nvPr>
             <p:ph sz="quarter" idx="4"/>
           </p:nvPr>
-        </p:nvSpPr>
-        <p:spPr/>
-        <p:txBody>
-          <a:bodyPr/>
-          <a:lstStyle/>
-          <a:p>
-            <a:pPr marL="36900" indent="0">
-              <a:buNone/>
-            </a:pPr>
-            <a:endParaRPr lang="en-GB" dirty="0"/>
-          </a:p>
-        </p:txBody>
-      </p:sp>
+        </p:nvPicPr>
+        <p:blipFill>
+          <a:blip r:embed="rId2">
+            <a:extLst>
+              <a:ext uri="{28A0092B-C50C-407E-A947-70E740481C1C}">
+                <a14:useLocalDpi xmlns:a14="http://schemas.microsoft.com/office/drawing/2010/main" val="0"/>
+              </a:ext>
+            </a:extLst>
+          </a:blip>
+          <a:stretch>
+            <a:fillRect/>
+          </a:stretch>
+        </p:blipFill>
+        <p:spPr>
+          <a:xfrm>
+            <a:off x="7036594" y="2379663"/>
+            <a:ext cx="3411537" cy="3411537"/>
+          </a:xfrm>
+        </p:spPr>
+      </p:pic>
+      <p:pic>
+        <p:nvPicPr>
+          <p:cNvPr id="9" name="Content Placeholder 8" descr="A colorful slot machine with a purple circle and white stars&#10;&#10;Description automatically generated">
+            <a:extLst>
+              <a:ext uri="{FF2B5EF4-FFF2-40B4-BE49-F238E27FC236}">
+                <a16:creationId xmlns:a16="http://schemas.microsoft.com/office/drawing/2014/main" id="{99BCF020-7C2E-E3C8-C6CF-A478B3C39931}"/>
+              </a:ext>
+            </a:extLst>
+          </p:cNvPr>
+          <p:cNvPicPr>
+            <a:picLocks noGrp="1" noChangeAspect="1"/>
+          </p:cNvPicPr>
+          <p:nvPr>
+            <p:ph sz="half" idx="2"/>
+          </p:nvPr>
+        </p:nvPicPr>
+        <p:blipFill>
+          <a:blip r:embed="rId3">
+            <a:extLst>
+              <a:ext uri="{28A0092B-C50C-407E-A947-70E740481C1C}">
+                <a14:useLocalDpi xmlns:a14="http://schemas.microsoft.com/office/drawing/2010/main" val="0"/>
+              </a:ext>
+            </a:extLst>
+          </a:blip>
+          <a:stretch>
+            <a:fillRect/>
+          </a:stretch>
+        </p:blipFill>
+        <p:spPr>
+          <a:xfrm>
+            <a:off x="1738313" y="2379663"/>
+            <a:ext cx="3411537" cy="3411537"/>
+          </a:xfrm>
+        </p:spPr>
+      </p:pic>
     </p:spTree>
     <p:extLst>
       <p:ext uri="{BB962C8B-B14F-4D97-AF65-F5344CB8AC3E}">
@@ -7704,7 +8077,7 @@
 </p:sld>
 </file>
 
-<file path=ppt/slides/slide6.xml><?xml version="1.0" encoding="utf-8"?>
+<file path=ppt/slides/slide7.xml><?xml version="1.0" encoding="utf-8"?>
 <p:sld xmlns:a="http://schemas.openxmlformats.org/drawingml/2006/main" xmlns:r="http://schemas.openxmlformats.org/officeDocument/2006/relationships" xmlns:p="http://schemas.openxmlformats.org/presentationml/2006/main">
   <p:cSld>
     <p:spTree>
@@ -7745,11 +8118,13 @@
         </p:nvSpPr>
         <p:spPr/>
         <p:txBody>
-          <a:bodyPr/>
+          <a:bodyPr>
+            <a:normAutofit/>
+          </a:bodyPr>
           <a:lstStyle/>
           <a:p>
             <a:r>
-              <a:rPr lang="en-GB" dirty="0"/>
+              <a:rPr lang="en-GB" sz="4800" dirty="0"/>
               <a:t>Further Steps</a:t>
             </a:r>
           </a:p>
@@ -7776,41 +8151,65 @@
           <a:bodyPr/>
           <a:lstStyle/>
           <a:p>
-            <a:pPr marL="36900" indent="0">
+            <a:pPr algn="ctr"/>
+            <a:endParaRPr lang="en-GB" dirty="0"/>
+          </a:p>
+          <a:p>
+            <a:pPr algn="ctr"/>
+            <a:r>
+              <a:rPr lang="en-GB" dirty="0"/>
+              <a:t>Researching into GUI interfaces to implement for the game</a:t>
+            </a:r>
+          </a:p>
+          <a:p>
+            <a:pPr algn="ctr"/>
+            <a:endParaRPr lang="en-GB" dirty="0"/>
+          </a:p>
+          <a:p>
+            <a:pPr algn="ctr"/>
+            <a:r>
+              <a:rPr lang="en-GB" dirty="0"/>
+              <a:t>Modifying the Connect4 proof of concept to work </a:t>
+            </a:r>
+          </a:p>
+          <a:p>
+            <a:pPr marL="36900" indent="0" algn="ctr">
               <a:buNone/>
             </a:pPr>
             <a:r>
               <a:rPr lang="en-GB" dirty="0"/>
-              <a:t>Learning about GUI for the Connect4 game.</a:t>
-            </a:r>
-          </a:p>
-          <a:p>
-            <a:pPr marL="36900" indent="0">
+              <a:t>with one real player and an AI opponent </a:t>
+            </a:r>
+          </a:p>
+          <a:p>
+            <a:pPr marL="36900" indent="0" algn="ctr">
               <a:buNone/>
             </a:pPr>
+            <a:endParaRPr lang="en-GB" dirty="0"/>
+          </a:p>
+          <a:p>
+            <a:pPr algn="ctr"/>
             <a:r>
               <a:rPr lang="en-GB" dirty="0"/>
-              <a:t>Using my knowledge from the bandit problem </a:t>
-            </a:r>
-            <a:r>
-              <a:rPr lang="en-GB" dirty="0" err="1"/>
-              <a:t>poc</a:t>
-            </a:r>
+              <a:t>Using my knowledge from the bandit problem proof of concept </a:t>
+            </a:r>
+          </a:p>
+          <a:p>
+            <a:pPr marL="36900" indent="0" algn="ctr">
+              <a:buNone/>
+            </a:pPr>
             <a:r>
               <a:rPr lang="en-GB" dirty="0"/>
-              <a:t> and the research done into monte-</a:t>
-            </a:r>
-            <a:r>
-              <a:rPr lang="en-GB" dirty="0" err="1"/>
-              <a:t>carlo</a:t>
-            </a:r>
+              <a:t>and the research done into the Monte Carlo Tree Search Algorithm</a:t>
+            </a:r>
+          </a:p>
+          <a:p>
+            <a:pPr marL="36900" indent="0" algn="ctr">
+              <a:buNone/>
+            </a:pPr>
             <a:r>
               <a:rPr lang="en-GB" dirty="0"/>
-              <a:t> tree search to successfully code an Ai to </a:t>
-            </a:r>
-            <a:r>
-              <a:rPr lang="en-GB"/>
-              <a:t>play Connect4.</a:t>
+              <a:t>to successfully code an AI opponent to play Connect4.</a:t>
             </a:r>
           </a:p>
         </p:txBody>
@@ -7828,9 +8227,28 @@
 </p:sld>
 </file>
 
-<file path=ppt/slides/slide7.xml><?xml version="1.0" encoding="utf-8"?>
+<file path=ppt/slides/slide8.xml><?xml version="1.0" encoding="utf-8"?>
 <p:sld xmlns:a="http://schemas.openxmlformats.org/drawingml/2006/main" xmlns:r="http://schemas.openxmlformats.org/officeDocument/2006/relationships" xmlns:p="http://schemas.openxmlformats.org/presentationml/2006/main">
   <p:cSld>
+    <p:bg>
+      <p:bgPr>
+        <a:blipFill rotWithShape="1">
+          <a:blip r:embed="rId2">
+            <a:duotone>
+              <a:schemeClr val="bg2">
+                <a:shade val="80000"/>
+                <a:lumMod val="80000"/>
+              </a:schemeClr>
+              <a:schemeClr val="bg2">
+                <a:tint val="98000"/>
+              </a:schemeClr>
+            </a:duotone>
+          </a:blip>
+          <a:stretch/>
+        </a:blipFill>
+        <a:effectLst/>
+      </p:bgPr>
+    </p:bg>
     <p:spTree>
       <p:nvGrpSpPr>
         <p:cNvPr id="1" name="">
@@ -7867,43 +8285,194 @@
             <p:ph type="title"/>
           </p:nvPr>
         </p:nvSpPr>
-        <p:spPr/>
-        <p:txBody>
-          <a:bodyPr/>
+        <p:spPr>
+          <a:xfrm>
+            <a:off x="659661" y="1679225"/>
+            <a:ext cx="3382832" cy="3499549"/>
+          </a:xfrm>
+        </p:spPr>
+        <p:txBody>
+          <a:bodyPr vert="horz" lIns="91440" tIns="45720" rIns="91440" bIns="45720" rtlCol="0" anchor="b">
+            <a:normAutofit fontScale="90000"/>
+          </a:bodyPr>
           <a:lstStyle/>
           <a:p>
-            <a:r>
-              <a:rPr lang="en-GB" dirty="0"/>
-              <a:t>Summary</a:t>
-            </a:r>
-          </a:p>
-        </p:txBody>
-      </p:sp>
-      <p:sp>
-        <p:nvSpPr>
-          <p:cNvPr id="3" name="Content Placeholder 2">
+            <a:pPr>
+              <a:lnSpc>
+                <a:spcPct val="90000"/>
+              </a:lnSpc>
+            </a:pPr>
+            <a:r>
+              <a:rPr lang="en-US" sz="3900" dirty="0"/>
+              <a:t>Any Questions?</a:t>
+            </a:r>
+            <a:br>
+              <a:rPr lang="en-US" sz="3900" dirty="0"/>
+            </a:br>
+            <a:br>
+              <a:rPr lang="en-US" sz="3900" dirty="0"/>
+            </a:br>
+            <a:r>
+              <a:rPr lang="en-US" sz="3900" dirty="0"/>
+              <a:t>&amp;</a:t>
+            </a:r>
+            <a:br>
+              <a:rPr lang="en-US" sz="3900" dirty="0"/>
+            </a:br>
+            <a:r>
+              <a:rPr lang="en-US" sz="3900" dirty="0"/>
+              <a:t>Thank You</a:t>
+            </a:r>
+            <a:br>
+              <a:rPr lang="en-US" sz="3900" dirty="0"/>
+            </a:br>
+            <a:r>
+              <a:rPr lang="en-US" sz="3900" dirty="0"/>
+              <a:t>for </a:t>
+            </a:r>
+            <a:br>
+              <a:rPr lang="en-US" sz="3900" dirty="0"/>
+            </a:br>
+            <a:r>
+              <a:rPr lang="en-US" sz="3900" dirty="0"/>
+              <a:t>Listening</a:t>
+            </a:r>
+          </a:p>
+        </p:txBody>
+      </p:sp>
+      <p:pic>
+        <p:nvPicPr>
+          <p:cNvPr id="3098" name="Picture 3097">
             <a:extLst>
               <a:ext uri="{FF2B5EF4-FFF2-40B4-BE49-F238E27FC236}">
-                <a16:creationId xmlns:a16="http://schemas.microsoft.com/office/drawing/2014/main" id="{60E3D470-E47B-1974-6A4B-26692266A8C1}"/>
+                <a16:creationId xmlns:a16="http://schemas.microsoft.com/office/drawing/2014/main" id="{08187575-5CB4-477B-AA47-020C6D2A786E}"/>
+              </a:ext>
+              <a:ext uri="{C183D7F6-B498-43B3-948B-1728B52AA6E4}">
+                <adec:decorative xmlns:adec="http://schemas.microsoft.com/office/drawing/2017/decorative" val="1"/>
               </a:ext>
             </a:extLst>
           </p:cNvPr>
-          <p:cNvSpPr>
-            <a:spLocks noGrp="1"/>
-          </p:cNvSpPr>
-          <p:nvPr>
-            <p:ph idx="1"/>
-          </p:nvPr>
-        </p:nvSpPr>
-        <p:spPr/>
-        <p:txBody>
-          <a:bodyPr/>
-          <a:lstStyle/>
-          <a:p>
-            <a:endParaRPr lang="en-GB"/>
-          </a:p>
-        </p:txBody>
-      </p:sp>
+          <p:cNvPicPr>
+            <a:picLocks noGrp="1" noRot="1" noChangeAspect="1" noMove="1" noResize="1" noEditPoints="1" noAdjustHandles="1" noChangeArrowheads="1" noChangeShapeType="1" noCrop="1"/>
+          </p:cNvPicPr>
+          <p:nvPr>
+            <p:extLst>
+              <p:ext uri="{386F3935-93C4-4BCD-93E2-E3B085C9AB24}">
+                <p16:designElem xmlns:p16="http://schemas.microsoft.com/office/powerpoint/2015/main" val="1"/>
+              </p:ext>
+            </p:extLst>
+          </p:nvPr>
+        </p:nvPicPr>
+        <p:blipFill rotWithShape="1">
+          <a:blip r:embed="rId3">
+            <a:extLst>
+              <a:ext uri="{28A0092B-C50C-407E-A947-70E740481C1C}">
+                <a14:useLocalDpi xmlns:a14="http://schemas.microsoft.com/office/drawing/2010/main" val="0"/>
+              </a:ext>
+            </a:extLst>
+          </a:blip>
+          <a:srcRect t="964" r="2807" b="1446"/>
+          <a:stretch/>
+        </p:blipFill>
+        <p:spPr>
+          <a:xfrm>
+            <a:off x="4552950" y="1"/>
+            <a:ext cx="7639050" cy="6858000"/>
+          </a:xfrm>
+          <a:prstGeom prst="rect">
+            <a:avLst/>
+          </a:prstGeom>
+        </p:spPr>
+      </p:pic>
+      <p:pic>
+        <p:nvPicPr>
+          <p:cNvPr id="3100" name="Picture 3099">
+            <a:extLst>
+              <a:ext uri="{FF2B5EF4-FFF2-40B4-BE49-F238E27FC236}">
+                <a16:creationId xmlns:a16="http://schemas.microsoft.com/office/drawing/2014/main" id="{EE585F70-7C5D-424E-A182-39507AF48A0C}"/>
+              </a:ext>
+              <a:ext uri="{C183D7F6-B498-43B3-948B-1728B52AA6E4}">
+                <adec:decorative xmlns:adec="http://schemas.microsoft.com/office/drawing/2017/decorative" val="1"/>
+              </a:ext>
+            </a:extLst>
+          </p:cNvPr>
+          <p:cNvPicPr>
+            <a:picLocks noGrp="1" noRot="1" noChangeAspect="1" noMove="1" noResize="1" noEditPoints="1" noAdjustHandles="1" noChangeArrowheads="1" noChangeShapeType="1" noCrop="1"/>
+          </p:cNvPicPr>
+          <p:nvPr>
+            <p:extLst>
+              <p:ext uri="{386F3935-93C4-4BCD-93E2-E3B085C9AB24}">
+                <p16:designElem xmlns:p16="http://schemas.microsoft.com/office/powerpoint/2015/main" val="1"/>
+              </p:ext>
+            </p:extLst>
+          </p:nvPr>
+        </p:nvPicPr>
+        <p:blipFill rotWithShape="1">
+          <a:blip r:embed="rId3">
+            <a:extLst>
+              <a:ext uri="{28A0092B-C50C-407E-A947-70E740481C1C}">
+                <a14:useLocalDpi xmlns:a14="http://schemas.microsoft.com/office/drawing/2010/main" val="0"/>
+              </a:ext>
+            </a:extLst>
+          </a:blip>
+          <a:srcRect t="964" r="2807" b="1446"/>
+          <a:stretch/>
+        </p:blipFill>
+        <p:spPr>
+          <a:xfrm>
+            <a:off x="7501468" y="1"/>
+            <a:ext cx="4690532" cy="6858000"/>
+          </a:xfrm>
+          <a:prstGeom prst="rect">
+            <a:avLst/>
+          </a:prstGeom>
+        </p:spPr>
+      </p:pic>
+      <p:pic>
+        <p:nvPicPr>
+          <p:cNvPr id="3074" name="Picture 2" descr="Pin page">
+            <a:extLst>
+              <a:ext uri="{FF2B5EF4-FFF2-40B4-BE49-F238E27FC236}">
+                <a16:creationId xmlns:a16="http://schemas.microsoft.com/office/drawing/2014/main" id="{0CEA4FC4-9661-0201-9719-6ECC3C0A733F}"/>
+              </a:ext>
+            </a:extLst>
+          </p:cNvPr>
+          <p:cNvPicPr>
+            <a:picLocks noChangeAspect="1" noChangeArrowheads="1"/>
+          </p:cNvPicPr>
+          <p:nvPr/>
+        </p:nvPicPr>
+        <p:blipFill>
+          <a:blip r:embed="rId4">
+            <a:extLst>
+              <a:ext uri="{28A0092B-C50C-407E-A947-70E740481C1C}">
+                <a14:useLocalDpi xmlns:a14="http://schemas.microsoft.com/office/drawing/2010/main" val="0"/>
+              </a:ext>
+            </a:extLst>
+          </a:blip>
+          <a:srcRect l="12053" r="14856"/>
+          <a:stretch/>
+        </p:blipFill>
+        <p:spPr bwMode="auto">
+          <a:xfrm>
+            <a:off x="4654297" y="10"/>
+            <a:ext cx="7537704" cy="6857990"/>
+          </a:xfrm>
+          <a:prstGeom prst="rect">
+            <a:avLst/>
+          </a:prstGeom>
+          <a:noFill/>
+          <a:extLst>
+            <a:ext uri="{909E8E84-426E-40DD-AFC4-6F175D3DCCD1}">
+              <a14:hiddenFill xmlns:a14="http://schemas.microsoft.com/office/drawing/2010/main">
+                <a:solidFill>
+                  <a:srgbClr val="FFFFFF"/>
+                </a:solidFill>
+              </a14:hiddenFill>
+            </a:ext>
+          </a:extLst>
+        </p:spPr>
+      </p:pic>
     </p:spTree>
     <p:extLst>
       <p:ext uri="{BB962C8B-B14F-4D97-AF65-F5344CB8AC3E}">

--- a/documents/Interim Presentation.pptx
+++ b/documents/Interim Presentation.pptx
@@ -204,7 +204,7 @@
           <a:p>
             <a:fld id="{CB5C49C9-DF04-4E8F-AF05-B27ECBB4FBFB}" type="datetimeFigureOut">
               <a:rPr lang="en-GB" smtClean="0"/>
-              <a:t>06/12/2024</a:t>
+              <a:t>07/12/2024</a:t>
             </a:fld>
             <a:endParaRPr lang="en-GB"/>
           </a:p>
@@ -825,7 +825,7 @@
           <a:p>
             <a:fld id="{D618160B-95F8-46C8-B491-9457990F652B}" type="datetimeFigureOut">
               <a:rPr lang="en-GB" smtClean="0"/>
-              <a:t>06/12/2024</a:t>
+              <a:t>07/12/2024</a:t>
             </a:fld>
             <a:endParaRPr lang="en-GB"/>
           </a:p>
@@ -883,6 +883,9 @@
   <p:clrMapOvr>
     <a:masterClrMapping/>
   </p:clrMapOvr>
+  <p:transition spd="slow">
+    <p:cover/>
+  </p:transition>
 </p:sldLayout>
 </file>
 
@@ -1123,7 +1126,7 @@
           <a:p>
             <a:fld id="{D618160B-95F8-46C8-B491-9457990F652B}" type="datetimeFigureOut">
               <a:rPr lang="en-GB" smtClean="0"/>
-              <a:t>06/12/2024</a:t>
+              <a:t>07/12/2024</a:t>
             </a:fld>
             <a:endParaRPr lang="en-GB"/>
           </a:p>
@@ -1181,6 +1184,9 @@
   <p:clrMapOvr>
     <a:masterClrMapping/>
   </p:clrMapOvr>
+  <p:transition spd="slow">
+    <p:cover/>
+  </p:transition>
 </p:sldLayout>
 </file>
 
@@ -1315,7 +1321,7 @@
           <a:p>
             <a:fld id="{D618160B-95F8-46C8-B491-9457990F652B}" type="datetimeFigureOut">
               <a:rPr lang="en-GB" smtClean="0"/>
-              <a:t>06/12/2024</a:t>
+              <a:t>07/12/2024</a:t>
             </a:fld>
             <a:endParaRPr lang="en-GB"/>
           </a:p>
@@ -1373,6 +1379,9 @@
   <p:clrMapOvr>
     <a:masterClrMapping/>
   </p:clrMapOvr>
+  <p:transition spd="slow">
+    <p:cover/>
+  </p:transition>
 </p:sldLayout>
 </file>
 
@@ -1576,7 +1585,7 @@
           <a:p>
             <a:fld id="{D618160B-95F8-46C8-B491-9457990F652B}" type="datetimeFigureOut">
               <a:rPr lang="en-GB" smtClean="0"/>
-              <a:t>06/12/2024</a:t>
+              <a:t>07/12/2024</a:t>
             </a:fld>
             <a:endParaRPr lang="en-GB"/>
           </a:p>
@@ -1866,6 +1875,9 @@
   <p:clrMapOvr>
     <a:masterClrMapping/>
   </p:clrMapOvr>
+  <p:transition spd="slow">
+    <p:cover/>
+  </p:transition>
 </p:sldLayout>
 </file>
 
@@ -2000,7 +2012,7 @@
           <a:p>
             <a:fld id="{D618160B-95F8-46C8-B491-9457990F652B}" type="datetimeFigureOut">
               <a:rPr lang="en-GB" smtClean="0"/>
-              <a:t>06/12/2024</a:t>
+              <a:t>07/12/2024</a:t>
             </a:fld>
             <a:endParaRPr lang="en-GB"/>
           </a:p>
@@ -2058,6 +2070,9 @@
   <p:clrMapOvr>
     <a:masterClrMapping/>
   </p:clrMapOvr>
+  <p:transition spd="slow">
+    <p:cover/>
+  </p:transition>
 </p:sldLayout>
 </file>
 
@@ -2537,7 +2552,7 @@
           <a:p>
             <a:fld id="{D618160B-95F8-46C8-B491-9457990F652B}" type="datetimeFigureOut">
               <a:rPr lang="en-GB" smtClean="0"/>
-              <a:t>06/12/2024</a:t>
+              <a:t>07/12/2024</a:t>
             </a:fld>
             <a:endParaRPr lang="en-GB"/>
           </a:p>
@@ -2595,6 +2610,9 @@
   <p:clrMapOvr>
     <a:masterClrMapping/>
   </p:clrMapOvr>
+  <p:transition spd="slow">
+    <p:cover/>
+  </p:transition>
 </p:sldLayout>
 </file>
 
@@ -3401,7 +3419,7 @@
           <a:p>
             <a:fld id="{D618160B-95F8-46C8-B491-9457990F652B}" type="datetimeFigureOut">
               <a:rPr lang="en-GB" smtClean="0"/>
-              <a:t>06/12/2024</a:t>
+              <a:t>07/12/2024</a:t>
             </a:fld>
             <a:endParaRPr lang="en-GB"/>
           </a:p>
@@ -3459,6 +3477,9 @@
   <p:clrMapOvr>
     <a:masterClrMapping/>
   </p:clrMapOvr>
+  <p:transition spd="slow">
+    <p:cover/>
+  </p:transition>
 </p:sldLayout>
 </file>
 
@@ -3571,7 +3592,7 @@
           <a:p>
             <a:fld id="{D618160B-95F8-46C8-B491-9457990F652B}" type="datetimeFigureOut">
               <a:rPr lang="en-GB" smtClean="0"/>
-              <a:t>06/12/2024</a:t>
+              <a:t>07/12/2024</a:t>
             </a:fld>
             <a:endParaRPr lang="en-GB"/>
           </a:p>
@@ -3629,6 +3650,9 @@
   <p:clrMapOvr>
     <a:masterClrMapping/>
   </p:clrMapOvr>
+  <p:transition spd="slow">
+    <p:cover/>
+  </p:transition>
 </p:sldLayout>
 </file>
 
@@ -3755,7 +3779,7 @@
           <a:p>
             <a:fld id="{D618160B-95F8-46C8-B491-9457990F652B}" type="datetimeFigureOut">
               <a:rPr lang="en-GB" smtClean="0"/>
-              <a:t>06/12/2024</a:t>
+              <a:t>07/12/2024</a:t>
             </a:fld>
             <a:endParaRPr lang="en-GB"/>
           </a:p>
@@ -3813,6 +3837,9 @@
   <p:clrMapOvr>
     <a:masterClrMapping/>
   </p:clrMapOvr>
+  <p:transition spd="slow">
+    <p:cover/>
+  </p:transition>
 </p:sldLayout>
 </file>
 
@@ -3925,7 +3952,7 @@
           <a:p>
             <a:fld id="{D618160B-95F8-46C8-B491-9457990F652B}" type="datetimeFigureOut">
               <a:rPr lang="en-GB" smtClean="0"/>
-              <a:t>06/12/2024</a:t>
+              <a:t>07/12/2024</a:t>
             </a:fld>
             <a:endParaRPr lang="en-GB"/>
           </a:p>
@@ -3983,6 +4010,9 @@
   <p:clrMapOvr>
     <a:masterClrMapping/>
   </p:clrMapOvr>
+  <p:transition spd="slow">
+    <p:cover/>
+  </p:transition>
 </p:sldLayout>
 </file>
 
@@ -4169,7 +4199,7 @@
           <a:p>
             <a:fld id="{D618160B-95F8-46C8-B491-9457990F652B}" type="datetimeFigureOut">
               <a:rPr lang="en-GB" smtClean="0"/>
-              <a:t>06/12/2024</a:t>
+              <a:t>07/12/2024</a:t>
             </a:fld>
             <a:endParaRPr lang="en-GB"/>
           </a:p>
@@ -4227,6 +4257,9 @@
   <p:clrMapOvr>
     <a:masterClrMapping/>
   </p:clrMapOvr>
+  <p:transition spd="slow">
+    <p:cover/>
+  </p:transition>
 </p:sldLayout>
 </file>
 
@@ -4405,7 +4438,7 @@
           <a:p>
             <a:fld id="{D618160B-95F8-46C8-B491-9457990F652B}" type="datetimeFigureOut">
               <a:rPr lang="en-GB" smtClean="0"/>
-              <a:t>06/12/2024</a:t>
+              <a:t>07/12/2024</a:t>
             </a:fld>
             <a:endParaRPr lang="en-GB"/>
           </a:p>
@@ -4463,6 +4496,9 @@
   <p:clrMapOvr>
     <a:masterClrMapping/>
   </p:clrMapOvr>
+  <p:transition spd="slow">
+    <p:cover/>
+  </p:transition>
 </p:sldLayout>
 </file>
 
@@ -4871,7 +4907,7 @@
           <a:p>
             <a:fld id="{D618160B-95F8-46C8-B491-9457990F652B}" type="datetimeFigureOut">
               <a:rPr lang="en-GB" smtClean="0"/>
-              <a:t>06/12/2024</a:t>
+              <a:t>07/12/2024</a:t>
             </a:fld>
             <a:endParaRPr lang="en-GB"/>
           </a:p>
@@ -4929,6 +4965,9 @@
   <p:clrMapOvr>
     <a:masterClrMapping/>
   </p:clrMapOvr>
+  <p:transition spd="slow">
+    <p:cover/>
+  </p:transition>
 </p:sldLayout>
 </file>
 
@@ -4989,7 +5028,7 @@
           <a:p>
             <a:fld id="{D618160B-95F8-46C8-B491-9457990F652B}" type="datetimeFigureOut">
               <a:rPr lang="en-GB" smtClean="0"/>
-              <a:t>06/12/2024</a:t>
+              <a:t>07/12/2024</a:t>
             </a:fld>
             <a:endParaRPr lang="en-GB"/>
           </a:p>
@@ -5047,6 +5086,9 @@
   <p:clrMapOvr>
     <a:masterClrMapping/>
   </p:clrMapOvr>
+  <p:transition spd="slow">
+    <p:cover/>
+  </p:transition>
 </p:sldLayout>
 </file>
 
@@ -5084,7 +5126,7 @@
           <a:p>
             <a:fld id="{D618160B-95F8-46C8-B491-9457990F652B}" type="datetimeFigureOut">
               <a:rPr lang="en-GB" smtClean="0"/>
-              <a:t>06/12/2024</a:t>
+              <a:t>07/12/2024</a:t>
             </a:fld>
             <a:endParaRPr lang="en-GB"/>
           </a:p>
@@ -5142,6 +5184,9 @@
   <p:clrMapOvr>
     <a:masterClrMapping/>
   </p:clrMapOvr>
+  <p:transition spd="slow">
+    <p:cover/>
+  </p:transition>
 </p:sldLayout>
 </file>
 
@@ -5339,7 +5384,7 @@
           <a:p>
             <a:fld id="{D618160B-95F8-46C8-B491-9457990F652B}" type="datetimeFigureOut">
               <a:rPr lang="en-GB" smtClean="0"/>
-              <a:t>06/12/2024</a:t>
+              <a:t>07/12/2024</a:t>
             </a:fld>
             <a:endParaRPr lang="en-GB"/>
           </a:p>
@@ -5397,6 +5442,9 @@
   <p:clrMapOvr>
     <a:masterClrMapping/>
   </p:clrMapOvr>
+  <p:transition spd="slow">
+    <p:cover/>
+  </p:transition>
 </p:sldLayout>
 </file>
 
@@ -5639,7 +5687,7 @@
           <a:p>
             <a:fld id="{D618160B-95F8-46C8-B491-9457990F652B}" type="datetimeFigureOut">
               <a:rPr lang="en-GB" smtClean="0"/>
-              <a:t>06/12/2024</a:t>
+              <a:t>07/12/2024</a:t>
             </a:fld>
             <a:endParaRPr lang="en-GB"/>
           </a:p>
@@ -5697,6 +5745,9 @@
   <p:clrMapOvr>
     <a:masterClrMapping/>
   </p:clrMapOvr>
+  <p:transition spd="slow">
+    <p:cover/>
+  </p:transition>
 </p:sldLayout>
 </file>
 
@@ -5873,7 +5924,7 @@
           <a:p>
             <a:fld id="{D618160B-95F8-46C8-B491-9457990F652B}" type="datetimeFigureOut">
               <a:rPr lang="en-GB" smtClean="0"/>
-              <a:t>06/12/2024</a:t>
+              <a:t>07/12/2024</a:t>
             </a:fld>
             <a:endParaRPr lang="en-GB"/>
           </a:p>
@@ -5998,6 +6049,9 @@
     <p:sldLayoutId id="2147483676" r:id="rId16"/>
     <p:sldLayoutId id="2147483677" r:id="rId17"/>
   </p:sldLayoutIdLst>
+  <p:transition spd="slow">
+    <p:cover/>
+  </p:transition>
   <p:txStyles>
     <p:titleStyle>
       <a:lvl1pPr algn="ctr" defTabSz="457200" rtl="0" eaLnBrk="1" latinLnBrk="0" hangingPunct="1">
@@ -6649,13 +6703,13 @@
           <a:lstStyle/>
           <a:p>
             <a:r>
-              <a:rPr lang="en-GB"/>
+              <a:rPr lang="en-GB" dirty="0"/>
               <a:t>Presentation by</a:t>
             </a:r>
           </a:p>
           <a:p>
             <a:r>
-              <a:rPr lang="en-GB"/>
+              <a:rPr lang="en-GB" dirty="0"/>
               <a:t>Alexandra Danciu</a:t>
             </a:r>
           </a:p>
@@ -6754,6 +6808,9 @@
   <p:clrMapOvr>
     <a:masterClrMapping/>
   </p:clrMapOvr>
+  <p:transition spd="slow">
+    <p:cover/>
+  </p:transition>
   <p:timing>
     <p:tnLst>
       <p:par>
@@ -6992,7 +7049,7 @@
     </p:tnLst>
     <p:bldLst>
       <p:bldP spid="2" grpId="0"/>
-      <p:bldP spid="3" grpId="0" build="p"/>
+      <p:bldP spid="3" grpId="0" uiExpand="1" build="p"/>
     </p:bldLst>
   </p:timing>
 </p:sld>
@@ -7276,18 +7333,9 @@
   <p:clrMapOvr>
     <a:overrideClrMapping bg1="lt1" tx1="dk1" bg2="lt2" tx2="dk2" accent1="accent1" accent2="accent2" accent3="accent3" accent4="accent4" accent5="accent5" accent6="accent6" hlink="hlink" folHlink="folHlink"/>
   </p:clrMapOvr>
-  <mc:AlternateContent xmlns:mc="http://schemas.openxmlformats.org/markup-compatibility/2006" xmlns:p159="http://schemas.microsoft.com/office/powerpoint/2015/09/main">
-    <mc:Choice Requires="p159">
-      <p:transition xmlns:p14="http://schemas.microsoft.com/office/powerpoint/2010/main" spd="slow" p14:dur="2000">
-        <p159:morph option="byObject"/>
-      </p:transition>
-    </mc:Choice>
-    <mc:Fallback xmlns="">
-      <p:transition spd="slow">
-        <p:fade/>
-      </p:transition>
-    </mc:Fallback>
-  </mc:AlternateContent>
+  <p:transition spd="slow">
+    <p:cover/>
+  </p:transition>
 </p:sld>
 </file>
 
@@ -7468,6 +7516,9 @@
   <p:clrMapOvr>
     <a:masterClrMapping/>
   </p:clrMapOvr>
+  <p:transition spd="slow">
+    <p:cover/>
+  </p:transition>
 </p:sld>
 </file>
 
@@ -7761,6 +7812,9 @@
   <p:clrMapOvr>
     <a:masterClrMapping/>
   </p:clrMapOvr>
+  <p:transition spd="slow">
+    <p:cover/>
+  </p:transition>
 </p:sld>
 </file>
 
@@ -7888,6 +7942,9 @@
   <p:clrMapOvr>
     <a:masterClrMapping/>
   </p:clrMapOvr>
+  <p:transition spd="slow">
+    <p:cover/>
+  </p:transition>
 </p:sld>
 </file>
 
@@ -8074,6 +8131,243 @@
   <p:clrMapOvr>
     <a:masterClrMapping/>
   </p:clrMapOvr>
+  <p:transition spd="slow">
+    <p:cover/>
+  </p:transition>
+  <p:timing>
+    <p:tnLst>
+      <p:par>
+        <p:cTn id="1" dur="indefinite" restart="never" nodeType="tmRoot">
+          <p:childTnLst>
+            <p:seq concurrent="1" nextAc="seek">
+              <p:cTn id="2" dur="indefinite" nodeType="mainSeq">
+                <p:childTnLst>
+                  <p:par>
+                    <p:cTn id="3" fill="hold">
+                      <p:stCondLst>
+                        <p:cond delay="indefinite"/>
+                      </p:stCondLst>
+                      <p:childTnLst>
+                        <p:par>
+                          <p:cTn id="4" fill="hold">
+                            <p:stCondLst>
+                              <p:cond delay="0"/>
+                            </p:stCondLst>
+                            <p:childTnLst>
+                              <p:par>
+                                <p:cTn id="5" presetID="32" presetClass="emph" presetSubtype="0" fill="hold" nodeType="clickEffect">
+                                  <p:stCondLst>
+                                    <p:cond delay="0"/>
+                                  </p:stCondLst>
+                                  <p:childTnLst>
+                                    <p:animRot by="120000">
+                                      <p:cBhvr>
+                                        <p:cTn id="6" dur="100" fill="hold">
+                                          <p:stCondLst>
+                                            <p:cond delay="0"/>
+                                          </p:stCondLst>
+                                        </p:cTn>
+                                        <p:tgtEl>
+                                          <p:spTgt spid="9"/>
+                                        </p:tgtEl>
+                                        <p:attrNameLst>
+                                          <p:attrName>r</p:attrName>
+                                        </p:attrNameLst>
+                                      </p:cBhvr>
+                                    </p:animRot>
+                                    <p:animRot by="-240000">
+                                      <p:cBhvr>
+                                        <p:cTn id="7" dur="200" fill="hold">
+                                          <p:stCondLst>
+                                            <p:cond delay="200"/>
+                                          </p:stCondLst>
+                                        </p:cTn>
+                                        <p:tgtEl>
+                                          <p:spTgt spid="9"/>
+                                        </p:tgtEl>
+                                        <p:attrNameLst>
+                                          <p:attrName>r</p:attrName>
+                                        </p:attrNameLst>
+                                      </p:cBhvr>
+                                    </p:animRot>
+                                    <p:animRot by="240000">
+                                      <p:cBhvr>
+                                        <p:cTn id="8" dur="200" fill="hold">
+                                          <p:stCondLst>
+                                            <p:cond delay="400"/>
+                                          </p:stCondLst>
+                                        </p:cTn>
+                                        <p:tgtEl>
+                                          <p:spTgt spid="9"/>
+                                        </p:tgtEl>
+                                        <p:attrNameLst>
+                                          <p:attrName>r</p:attrName>
+                                        </p:attrNameLst>
+                                      </p:cBhvr>
+                                    </p:animRot>
+                                    <p:animRot by="-240000">
+                                      <p:cBhvr>
+                                        <p:cTn id="9" dur="200" fill="hold">
+                                          <p:stCondLst>
+                                            <p:cond delay="600"/>
+                                          </p:stCondLst>
+                                        </p:cTn>
+                                        <p:tgtEl>
+                                          <p:spTgt spid="9"/>
+                                        </p:tgtEl>
+                                        <p:attrNameLst>
+                                          <p:attrName>r</p:attrName>
+                                        </p:attrNameLst>
+                                      </p:cBhvr>
+                                    </p:animRot>
+                                    <p:animRot by="120000">
+                                      <p:cBhvr>
+                                        <p:cTn id="10" dur="200" fill="hold">
+                                          <p:stCondLst>
+                                            <p:cond delay="800"/>
+                                          </p:stCondLst>
+                                        </p:cTn>
+                                        <p:tgtEl>
+                                          <p:spTgt spid="9"/>
+                                        </p:tgtEl>
+                                        <p:attrNameLst>
+                                          <p:attrName>r</p:attrName>
+                                        </p:attrNameLst>
+                                      </p:cBhvr>
+                                    </p:animRot>
+                                  </p:childTnLst>
+                                </p:cTn>
+                              </p:par>
+                            </p:childTnLst>
+                          </p:cTn>
+                        </p:par>
+                      </p:childTnLst>
+                    </p:cTn>
+                  </p:par>
+                  <p:par>
+                    <p:cTn id="11" fill="hold">
+                      <p:stCondLst>
+                        <p:cond delay="indefinite"/>
+                      </p:stCondLst>
+                      <p:childTnLst>
+                        <p:par>
+                          <p:cTn id="12" fill="hold">
+                            <p:stCondLst>
+                              <p:cond delay="0"/>
+                            </p:stCondLst>
+                            <p:childTnLst>
+                              <p:par>
+                                <p:cTn id="13" presetID="32" presetClass="emph" presetSubtype="0" fill="hold" nodeType="clickEffect">
+                                  <p:stCondLst>
+                                    <p:cond delay="0"/>
+                                  </p:stCondLst>
+                                  <p:childTnLst>
+                                    <p:animRot by="120000">
+                                      <p:cBhvr>
+                                        <p:cTn id="14" dur="100" fill="hold">
+                                          <p:stCondLst>
+                                            <p:cond delay="0"/>
+                                          </p:stCondLst>
+                                        </p:cTn>
+                                        <p:tgtEl>
+                                          <p:spTgt spid="11"/>
+                                        </p:tgtEl>
+                                        <p:attrNameLst>
+                                          <p:attrName>r</p:attrName>
+                                        </p:attrNameLst>
+                                      </p:cBhvr>
+                                    </p:animRot>
+                                    <p:animRot by="-240000">
+                                      <p:cBhvr>
+                                        <p:cTn id="15" dur="200" fill="hold">
+                                          <p:stCondLst>
+                                            <p:cond delay="200"/>
+                                          </p:stCondLst>
+                                        </p:cTn>
+                                        <p:tgtEl>
+                                          <p:spTgt spid="11"/>
+                                        </p:tgtEl>
+                                        <p:attrNameLst>
+                                          <p:attrName>r</p:attrName>
+                                        </p:attrNameLst>
+                                      </p:cBhvr>
+                                    </p:animRot>
+                                    <p:animRot by="240000">
+                                      <p:cBhvr>
+                                        <p:cTn id="16" dur="200" fill="hold">
+                                          <p:stCondLst>
+                                            <p:cond delay="400"/>
+                                          </p:stCondLst>
+                                        </p:cTn>
+                                        <p:tgtEl>
+                                          <p:spTgt spid="11"/>
+                                        </p:tgtEl>
+                                        <p:attrNameLst>
+                                          <p:attrName>r</p:attrName>
+                                        </p:attrNameLst>
+                                      </p:cBhvr>
+                                    </p:animRot>
+                                    <p:animRot by="-240000">
+                                      <p:cBhvr>
+                                        <p:cTn id="17" dur="200" fill="hold">
+                                          <p:stCondLst>
+                                            <p:cond delay="600"/>
+                                          </p:stCondLst>
+                                        </p:cTn>
+                                        <p:tgtEl>
+                                          <p:spTgt spid="11"/>
+                                        </p:tgtEl>
+                                        <p:attrNameLst>
+                                          <p:attrName>r</p:attrName>
+                                        </p:attrNameLst>
+                                      </p:cBhvr>
+                                    </p:animRot>
+                                    <p:animRot by="120000">
+                                      <p:cBhvr>
+                                        <p:cTn id="18" dur="200" fill="hold">
+                                          <p:stCondLst>
+                                            <p:cond delay="800"/>
+                                          </p:stCondLst>
+                                        </p:cTn>
+                                        <p:tgtEl>
+                                          <p:spTgt spid="11"/>
+                                        </p:tgtEl>
+                                        <p:attrNameLst>
+                                          <p:attrName>r</p:attrName>
+                                        </p:attrNameLst>
+                                      </p:cBhvr>
+                                    </p:animRot>
+                                  </p:childTnLst>
+                                </p:cTn>
+                              </p:par>
+                            </p:childTnLst>
+                          </p:cTn>
+                        </p:par>
+                      </p:childTnLst>
+                    </p:cTn>
+                  </p:par>
+                </p:childTnLst>
+              </p:cTn>
+              <p:prevCondLst>
+                <p:cond evt="onPrev" delay="0">
+                  <p:tgtEl>
+                    <p:sldTgt/>
+                  </p:tgtEl>
+                </p:cond>
+              </p:prevCondLst>
+              <p:nextCondLst>
+                <p:cond evt="onNext" delay="0">
+                  <p:tgtEl>
+                    <p:sldTgt/>
+                  </p:tgtEl>
+                </p:cond>
+              </p:nextCondLst>
+            </p:seq>
+          </p:childTnLst>
+        </p:cTn>
+      </p:par>
+    </p:tnLst>
+  </p:timing>
 </p:sld>
 </file>
 
@@ -8146,12 +8440,825 @@
             <p:ph idx="1"/>
           </p:nvPr>
         </p:nvSpPr>
-        <p:spPr/>
+        <p:spPr>
+          <a:xfrm>
+            <a:off x="913795" y="4305787"/>
+            <a:ext cx="10353762" cy="4058751"/>
+          </a:xfrm>
+        </p:spPr>
         <p:txBody>
           <a:bodyPr/>
           <a:lstStyle/>
           <a:p>
             <a:pPr algn="ctr"/>
+            <a:r>
+              <a:rPr lang="en-GB" dirty="0"/>
+              <a:t>Using my knowledge from the bandit problem proof of concept </a:t>
+            </a:r>
+          </a:p>
+          <a:p>
+            <a:pPr marL="36900" indent="0" algn="ctr">
+              <a:buNone/>
+            </a:pPr>
+            <a:r>
+              <a:rPr lang="en-GB" dirty="0"/>
+              <a:t>and the research done into the Monte Carlo Tree Search Algorithm</a:t>
+            </a:r>
+          </a:p>
+          <a:p>
+            <a:pPr marL="36900" indent="0" algn="ctr">
+              <a:buNone/>
+            </a:pPr>
+            <a:r>
+              <a:rPr lang="en-GB" dirty="0"/>
+              <a:t>to successfully code an AI opponent to play Connect4.</a:t>
+            </a:r>
+          </a:p>
+        </p:txBody>
+      </p:sp>
+      <p:sp>
+        <p:nvSpPr>
+          <p:cNvPr id="6" name="Content Placeholder 2">
+            <a:extLst>
+              <a:ext uri="{FF2B5EF4-FFF2-40B4-BE49-F238E27FC236}">
+                <a16:creationId xmlns:a16="http://schemas.microsoft.com/office/drawing/2014/main" id="{4263E482-3286-30DF-720D-284077032807}"/>
+              </a:ext>
+            </a:extLst>
+          </p:cNvPr>
+          <p:cNvSpPr txBox="1">
+            <a:spLocks/>
+          </p:cNvSpPr>
+          <p:nvPr/>
+        </p:nvSpPr>
+        <p:spPr>
+          <a:xfrm>
+            <a:off x="913795" y="3190113"/>
+            <a:ext cx="10353762" cy="1335810"/>
+          </a:xfrm>
+          <a:prstGeom prst="rect">
+            <a:avLst/>
+          </a:prstGeom>
+          <a:effectLst>
+            <a:outerShdw blurRad="25400" dir="17880000">
+              <a:srgbClr val="000000">
+                <a:alpha val="46000"/>
+              </a:srgbClr>
+            </a:outerShdw>
+          </a:effectLst>
+        </p:spPr>
+        <p:txBody>
+          <a:bodyPr vert="horz" lIns="91440" tIns="45720" rIns="91440" bIns="45720" rtlCol="0" anchor="t">
+            <a:normAutofit/>
+          </a:bodyPr>
+          <a:lstStyle>
+            <a:lvl1pPr marL="342900" indent="-306000" algn="l" defTabSz="457200" rtl="0" eaLnBrk="1" latinLnBrk="0" hangingPunct="1">
+              <a:spcBef>
+                <a:spcPct val="20000"/>
+              </a:spcBef>
+              <a:spcAft>
+                <a:spcPts val="600"/>
+              </a:spcAft>
+              <a:buClr>
+                <a:schemeClr val="tx2"/>
+              </a:buClr>
+              <a:buSzPct val="70000"/>
+              <a:buFont typeface="Wingdings 2" charset="2"/>
+              <a:buChar char=""/>
+              <a:defRPr sz="2000" kern="1200">
+                <a:ln>
+                  <a:solidFill>
+                    <a:schemeClr val="bg1">
+                      <a:lumMod val="75000"/>
+                      <a:lumOff val="25000"/>
+                      <a:alpha val="10000"/>
+                    </a:schemeClr>
+                  </a:solidFill>
+                </a:ln>
+                <a:solidFill>
+                  <a:schemeClr val="tx2"/>
+                </a:solidFill>
+                <a:effectLst>
+                  <a:outerShdw blurRad="9525" dist="25400" dir="14640000" algn="tl" rotWithShape="0">
+                    <a:schemeClr val="bg1">
+                      <a:alpha val="30000"/>
+                    </a:schemeClr>
+                  </a:outerShdw>
+                </a:effectLst>
+                <a:latin typeface="+mn-lt"/>
+                <a:ea typeface="+mn-ea"/>
+                <a:cs typeface="+mn-cs"/>
+              </a:defRPr>
+            </a:lvl1pPr>
+            <a:lvl2pPr marL="720000" indent="-270000" algn="l" defTabSz="457200" rtl="0" eaLnBrk="1" latinLnBrk="0" hangingPunct="1">
+              <a:spcBef>
+                <a:spcPct val="20000"/>
+              </a:spcBef>
+              <a:spcAft>
+                <a:spcPts val="600"/>
+              </a:spcAft>
+              <a:buClr>
+                <a:schemeClr val="tx2"/>
+              </a:buClr>
+              <a:buSzPct val="70000"/>
+              <a:buFont typeface="Wingdings 2" charset="2"/>
+              <a:buChar char=""/>
+              <a:defRPr sz="1800" kern="1200">
+                <a:ln>
+                  <a:solidFill>
+                    <a:schemeClr val="bg1">
+                      <a:lumMod val="75000"/>
+                      <a:lumOff val="25000"/>
+                      <a:alpha val="10000"/>
+                    </a:schemeClr>
+                  </a:solidFill>
+                </a:ln>
+                <a:solidFill>
+                  <a:schemeClr val="tx2"/>
+                </a:solidFill>
+                <a:effectLst>
+                  <a:outerShdw blurRad="9525" dist="25400" dir="14640000" algn="tl" rotWithShape="0">
+                    <a:schemeClr val="bg1">
+                      <a:alpha val="30000"/>
+                    </a:schemeClr>
+                  </a:outerShdw>
+                </a:effectLst>
+                <a:latin typeface="+mn-lt"/>
+                <a:ea typeface="+mn-ea"/>
+                <a:cs typeface="+mn-cs"/>
+              </a:defRPr>
+            </a:lvl2pPr>
+            <a:lvl3pPr marL="1026000" indent="-216000" algn="l" defTabSz="457200" rtl="0" eaLnBrk="1" latinLnBrk="0" hangingPunct="1">
+              <a:spcBef>
+                <a:spcPct val="20000"/>
+              </a:spcBef>
+              <a:spcAft>
+                <a:spcPts val="600"/>
+              </a:spcAft>
+              <a:buClr>
+                <a:schemeClr val="tx2"/>
+              </a:buClr>
+              <a:buSzPct val="70000"/>
+              <a:buFont typeface="Wingdings 2" charset="2"/>
+              <a:buChar char=""/>
+              <a:defRPr sz="1600" kern="1200">
+                <a:ln>
+                  <a:solidFill>
+                    <a:schemeClr val="bg1">
+                      <a:lumMod val="75000"/>
+                      <a:lumOff val="25000"/>
+                      <a:alpha val="10000"/>
+                    </a:schemeClr>
+                  </a:solidFill>
+                </a:ln>
+                <a:solidFill>
+                  <a:schemeClr val="tx2"/>
+                </a:solidFill>
+                <a:effectLst>
+                  <a:outerShdw blurRad="9525" dist="25400" dir="14640000" algn="tl" rotWithShape="0">
+                    <a:schemeClr val="bg1">
+                      <a:alpha val="30000"/>
+                    </a:schemeClr>
+                  </a:outerShdw>
+                </a:effectLst>
+                <a:latin typeface="+mn-lt"/>
+                <a:ea typeface="+mn-ea"/>
+                <a:cs typeface="+mn-cs"/>
+              </a:defRPr>
+            </a:lvl3pPr>
+            <a:lvl4pPr marL="1386000" indent="-216000" algn="l" defTabSz="457200" rtl="0" eaLnBrk="1" latinLnBrk="0" hangingPunct="1">
+              <a:spcBef>
+                <a:spcPct val="20000"/>
+              </a:spcBef>
+              <a:spcAft>
+                <a:spcPts val="600"/>
+              </a:spcAft>
+              <a:buClr>
+                <a:schemeClr val="tx2"/>
+              </a:buClr>
+              <a:buSzPct val="70000"/>
+              <a:buFont typeface="Wingdings 2" charset="2"/>
+              <a:buChar char=""/>
+              <a:defRPr sz="1400" kern="1200">
+                <a:ln>
+                  <a:solidFill>
+                    <a:schemeClr val="bg1">
+                      <a:lumMod val="75000"/>
+                      <a:lumOff val="25000"/>
+                      <a:alpha val="10000"/>
+                    </a:schemeClr>
+                  </a:solidFill>
+                </a:ln>
+                <a:solidFill>
+                  <a:schemeClr val="tx2"/>
+                </a:solidFill>
+                <a:effectLst>
+                  <a:outerShdw blurRad="9525" dist="25400" dir="14640000" algn="tl" rotWithShape="0">
+                    <a:schemeClr val="bg1">
+                      <a:alpha val="30000"/>
+                    </a:schemeClr>
+                  </a:outerShdw>
+                </a:effectLst>
+                <a:latin typeface="+mn-lt"/>
+                <a:ea typeface="+mn-ea"/>
+                <a:cs typeface="+mn-cs"/>
+              </a:defRPr>
+            </a:lvl4pPr>
+            <a:lvl5pPr marL="1674000" indent="-216000" algn="l" defTabSz="457200" rtl="0" eaLnBrk="1" latinLnBrk="0" hangingPunct="1">
+              <a:spcBef>
+                <a:spcPct val="20000"/>
+              </a:spcBef>
+              <a:spcAft>
+                <a:spcPts val="600"/>
+              </a:spcAft>
+              <a:buClr>
+                <a:schemeClr val="tx2"/>
+              </a:buClr>
+              <a:buSzPct val="70000"/>
+              <a:buFont typeface="Wingdings 2" charset="2"/>
+              <a:buChar char=""/>
+              <a:defRPr sz="1400" kern="1200">
+                <a:ln>
+                  <a:solidFill>
+                    <a:schemeClr val="bg1">
+                      <a:lumMod val="75000"/>
+                      <a:lumOff val="25000"/>
+                      <a:alpha val="10000"/>
+                    </a:schemeClr>
+                  </a:solidFill>
+                </a:ln>
+                <a:solidFill>
+                  <a:schemeClr val="tx2"/>
+                </a:solidFill>
+                <a:effectLst>
+                  <a:outerShdw blurRad="9525" dist="25400" dir="14640000" algn="tl" rotWithShape="0">
+                    <a:schemeClr val="bg1">
+                      <a:alpha val="30000"/>
+                    </a:schemeClr>
+                  </a:outerShdw>
+                </a:effectLst>
+                <a:latin typeface="+mn-lt"/>
+                <a:ea typeface="+mn-ea"/>
+                <a:cs typeface="+mn-cs"/>
+              </a:defRPr>
+            </a:lvl5pPr>
+            <a:lvl6pPr marL="2014600" indent="-228600" algn="l" defTabSz="457200" rtl="0" eaLnBrk="1" latinLnBrk="0" hangingPunct="1">
+              <a:spcBef>
+                <a:spcPct val="20000"/>
+              </a:spcBef>
+              <a:spcAft>
+                <a:spcPts val="600"/>
+              </a:spcAft>
+              <a:buClr>
+                <a:schemeClr val="tx2"/>
+              </a:buClr>
+              <a:buSzPct val="70000"/>
+              <a:buFont typeface="Wingdings 2" charset="2"/>
+              <a:buChar char=""/>
+              <a:defRPr sz="1400" kern="1200">
+                <a:ln>
+                  <a:solidFill>
+                    <a:schemeClr val="bg1">
+                      <a:lumMod val="75000"/>
+                      <a:lumOff val="25000"/>
+                      <a:alpha val="10000"/>
+                    </a:schemeClr>
+                  </a:solidFill>
+                </a:ln>
+                <a:solidFill>
+                  <a:schemeClr val="tx2"/>
+                </a:solidFill>
+                <a:effectLst>
+                  <a:outerShdw blurRad="9525" dist="25400" dir="14640000" algn="tl" rotWithShape="0">
+                    <a:schemeClr val="bg1">
+                      <a:alpha val="30000"/>
+                    </a:schemeClr>
+                  </a:outerShdw>
+                </a:effectLst>
+                <a:latin typeface="+mn-lt"/>
+                <a:ea typeface="+mn-ea"/>
+                <a:cs typeface="+mn-cs"/>
+              </a:defRPr>
+            </a:lvl6pPr>
+            <a:lvl7pPr marL="2401800" indent="-228600" algn="l" defTabSz="457200" rtl="0" eaLnBrk="1" latinLnBrk="0" hangingPunct="1">
+              <a:spcBef>
+                <a:spcPct val="20000"/>
+              </a:spcBef>
+              <a:spcAft>
+                <a:spcPts val="600"/>
+              </a:spcAft>
+              <a:buClr>
+                <a:schemeClr val="tx2"/>
+              </a:buClr>
+              <a:buSzPct val="70000"/>
+              <a:buFont typeface="Wingdings 2" charset="2"/>
+              <a:buChar char=""/>
+              <a:defRPr sz="1400" kern="1200">
+                <a:ln>
+                  <a:solidFill>
+                    <a:schemeClr val="bg1">
+                      <a:lumMod val="75000"/>
+                      <a:lumOff val="25000"/>
+                      <a:alpha val="10000"/>
+                    </a:schemeClr>
+                  </a:solidFill>
+                </a:ln>
+                <a:solidFill>
+                  <a:schemeClr val="tx2"/>
+                </a:solidFill>
+                <a:effectLst>
+                  <a:outerShdw blurRad="9525" dist="25400" dir="14640000" algn="tl" rotWithShape="0">
+                    <a:schemeClr val="bg1">
+                      <a:alpha val="30000"/>
+                    </a:schemeClr>
+                  </a:outerShdw>
+                </a:effectLst>
+                <a:latin typeface="+mn-lt"/>
+                <a:ea typeface="+mn-ea"/>
+                <a:cs typeface="+mn-cs"/>
+              </a:defRPr>
+            </a:lvl7pPr>
+            <a:lvl8pPr marL="2789000" indent="-228600" algn="l" defTabSz="457200" rtl="0" eaLnBrk="1" latinLnBrk="0" hangingPunct="1">
+              <a:spcBef>
+                <a:spcPct val="20000"/>
+              </a:spcBef>
+              <a:spcAft>
+                <a:spcPts val="600"/>
+              </a:spcAft>
+              <a:buClr>
+                <a:schemeClr val="tx2"/>
+              </a:buClr>
+              <a:buSzPct val="70000"/>
+              <a:buFont typeface="Wingdings 2" charset="2"/>
+              <a:buChar char=""/>
+              <a:defRPr sz="1400" kern="1200">
+                <a:ln>
+                  <a:solidFill>
+                    <a:schemeClr val="bg1">
+                      <a:lumMod val="75000"/>
+                      <a:lumOff val="25000"/>
+                      <a:alpha val="10000"/>
+                    </a:schemeClr>
+                  </a:solidFill>
+                </a:ln>
+                <a:solidFill>
+                  <a:schemeClr val="tx2"/>
+                </a:solidFill>
+                <a:effectLst>
+                  <a:outerShdw blurRad="9525" dist="25400" dir="14640000" algn="tl" rotWithShape="0">
+                    <a:schemeClr val="bg1">
+                      <a:alpha val="30000"/>
+                    </a:schemeClr>
+                  </a:outerShdw>
+                </a:effectLst>
+                <a:latin typeface="+mn-lt"/>
+                <a:ea typeface="+mn-ea"/>
+                <a:cs typeface="+mn-cs"/>
+              </a:defRPr>
+            </a:lvl8pPr>
+            <a:lvl9pPr marL="3106200" indent="-228600" algn="l" defTabSz="457200" rtl="0" eaLnBrk="1" latinLnBrk="0" hangingPunct="1">
+              <a:spcBef>
+                <a:spcPct val="20000"/>
+              </a:spcBef>
+              <a:spcAft>
+                <a:spcPts val="600"/>
+              </a:spcAft>
+              <a:buClr>
+                <a:schemeClr val="tx2"/>
+              </a:buClr>
+              <a:buSzPct val="70000"/>
+              <a:buFont typeface="Wingdings 2" charset="2"/>
+              <a:buChar char=""/>
+              <a:defRPr sz="1400" kern="1200">
+                <a:ln>
+                  <a:solidFill>
+                    <a:schemeClr val="bg1">
+                      <a:lumMod val="75000"/>
+                      <a:lumOff val="25000"/>
+                      <a:alpha val="10000"/>
+                    </a:schemeClr>
+                  </a:solidFill>
+                </a:ln>
+                <a:solidFill>
+                  <a:schemeClr val="tx2"/>
+                </a:solidFill>
+                <a:effectLst>
+                  <a:outerShdw blurRad="9525" dist="25400" dir="14640000" algn="tl" rotWithShape="0">
+                    <a:schemeClr val="bg1">
+                      <a:alpha val="30000"/>
+                    </a:schemeClr>
+                  </a:outerShdw>
+                </a:effectLst>
+                <a:latin typeface="+mn-lt"/>
+                <a:ea typeface="+mn-ea"/>
+                <a:cs typeface="+mn-cs"/>
+              </a:defRPr>
+            </a:lvl9pPr>
+          </a:lstStyle>
+          <a:p>
+            <a:pPr algn="ctr"/>
+            <a:r>
+              <a:rPr lang="en-GB" dirty="0"/>
+              <a:t>Modifying the Connect4 proof of concept to work </a:t>
+            </a:r>
+          </a:p>
+          <a:p>
+            <a:pPr marL="36900" indent="0" algn="ctr">
+              <a:buNone/>
+            </a:pPr>
+            <a:r>
+              <a:rPr lang="en-GB" dirty="0"/>
+              <a:t>with one real player and an AI opponent </a:t>
+            </a:r>
+          </a:p>
+          <a:p>
+            <a:pPr marL="36900" indent="0" algn="ctr">
+              <a:buFont typeface="Wingdings 2" charset="2"/>
+              <a:buNone/>
+            </a:pPr>
+            <a:endParaRPr lang="en-GB" dirty="0"/>
+          </a:p>
+        </p:txBody>
+      </p:sp>
+      <p:sp>
+        <p:nvSpPr>
+          <p:cNvPr id="7" name="Content Placeholder 2">
+            <a:extLst>
+              <a:ext uri="{FF2B5EF4-FFF2-40B4-BE49-F238E27FC236}">
+                <a16:creationId xmlns:a16="http://schemas.microsoft.com/office/drawing/2014/main" id="{D644B0EF-CF78-1CF4-EA5D-351559A0AF8A}"/>
+              </a:ext>
+            </a:extLst>
+          </p:cNvPr>
+          <p:cNvSpPr txBox="1">
+            <a:spLocks/>
+          </p:cNvSpPr>
+          <p:nvPr/>
+        </p:nvSpPr>
+        <p:spPr>
+          <a:xfrm>
+            <a:off x="924443" y="1942409"/>
+            <a:ext cx="10353762" cy="1178129"/>
+          </a:xfrm>
+          <a:prstGeom prst="rect">
+            <a:avLst/>
+          </a:prstGeom>
+          <a:effectLst>
+            <a:outerShdw blurRad="25400" dir="17880000">
+              <a:srgbClr val="000000">
+                <a:alpha val="46000"/>
+              </a:srgbClr>
+            </a:outerShdw>
+          </a:effectLst>
+        </p:spPr>
+        <p:txBody>
+          <a:bodyPr vert="horz" lIns="91440" tIns="45720" rIns="91440" bIns="45720" rtlCol="0" anchor="t">
+            <a:normAutofit/>
+          </a:bodyPr>
+          <a:lstStyle>
+            <a:lvl1pPr marL="342900" indent="-306000" algn="l" defTabSz="457200" rtl="0" eaLnBrk="1" latinLnBrk="0" hangingPunct="1">
+              <a:spcBef>
+                <a:spcPct val="20000"/>
+              </a:spcBef>
+              <a:spcAft>
+                <a:spcPts val="600"/>
+              </a:spcAft>
+              <a:buClr>
+                <a:schemeClr val="tx2"/>
+              </a:buClr>
+              <a:buSzPct val="70000"/>
+              <a:buFont typeface="Wingdings 2" charset="2"/>
+              <a:buChar char=""/>
+              <a:defRPr sz="2000" kern="1200">
+                <a:ln>
+                  <a:solidFill>
+                    <a:schemeClr val="bg1">
+                      <a:lumMod val="75000"/>
+                      <a:lumOff val="25000"/>
+                      <a:alpha val="10000"/>
+                    </a:schemeClr>
+                  </a:solidFill>
+                </a:ln>
+                <a:solidFill>
+                  <a:schemeClr val="tx2"/>
+                </a:solidFill>
+                <a:effectLst>
+                  <a:outerShdw blurRad="9525" dist="25400" dir="14640000" algn="tl" rotWithShape="0">
+                    <a:schemeClr val="bg1">
+                      <a:alpha val="30000"/>
+                    </a:schemeClr>
+                  </a:outerShdw>
+                </a:effectLst>
+                <a:latin typeface="+mn-lt"/>
+                <a:ea typeface="+mn-ea"/>
+                <a:cs typeface="+mn-cs"/>
+              </a:defRPr>
+            </a:lvl1pPr>
+            <a:lvl2pPr marL="720000" indent="-270000" algn="l" defTabSz="457200" rtl="0" eaLnBrk="1" latinLnBrk="0" hangingPunct="1">
+              <a:spcBef>
+                <a:spcPct val="20000"/>
+              </a:spcBef>
+              <a:spcAft>
+                <a:spcPts val="600"/>
+              </a:spcAft>
+              <a:buClr>
+                <a:schemeClr val="tx2"/>
+              </a:buClr>
+              <a:buSzPct val="70000"/>
+              <a:buFont typeface="Wingdings 2" charset="2"/>
+              <a:buChar char=""/>
+              <a:defRPr sz="1800" kern="1200">
+                <a:ln>
+                  <a:solidFill>
+                    <a:schemeClr val="bg1">
+                      <a:lumMod val="75000"/>
+                      <a:lumOff val="25000"/>
+                      <a:alpha val="10000"/>
+                    </a:schemeClr>
+                  </a:solidFill>
+                </a:ln>
+                <a:solidFill>
+                  <a:schemeClr val="tx2"/>
+                </a:solidFill>
+                <a:effectLst>
+                  <a:outerShdw blurRad="9525" dist="25400" dir="14640000" algn="tl" rotWithShape="0">
+                    <a:schemeClr val="bg1">
+                      <a:alpha val="30000"/>
+                    </a:schemeClr>
+                  </a:outerShdw>
+                </a:effectLst>
+                <a:latin typeface="+mn-lt"/>
+                <a:ea typeface="+mn-ea"/>
+                <a:cs typeface="+mn-cs"/>
+              </a:defRPr>
+            </a:lvl2pPr>
+            <a:lvl3pPr marL="1026000" indent="-216000" algn="l" defTabSz="457200" rtl="0" eaLnBrk="1" latinLnBrk="0" hangingPunct="1">
+              <a:spcBef>
+                <a:spcPct val="20000"/>
+              </a:spcBef>
+              <a:spcAft>
+                <a:spcPts val="600"/>
+              </a:spcAft>
+              <a:buClr>
+                <a:schemeClr val="tx2"/>
+              </a:buClr>
+              <a:buSzPct val="70000"/>
+              <a:buFont typeface="Wingdings 2" charset="2"/>
+              <a:buChar char=""/>
+              <a:defRPr sz="1600" kern="1200">
+                <a:ln>
+                  <a:solidFill>
+                    <a:schemeClr val="bg1">
+                      <a:lumMod val="75000"/>
+                      <a:lumOff val="25000"/>
+                      <a:alpha val="10000"/>
+                    </a:schemeClr>
+                  </a:solidFill>
+                </a:ln>
+                <a:solidFill>
+                  <a:schemeClr val="tx2"/>
+                </a:solidFill>
+                <a:effectLst>
+                  <a:outerShdw blurRad="9525" dist="25400" dir="14640000" algn="tl" rotWithShape="0">
+                    <a:schemeClr val="bg1">
+                      <a:alpha val="30000"/>
+                    </a:schemeClr>
+                  </a:outerShdw>
+                </a:effectLst>
+                <a:latin typeface="+mn-lt"/>
+                <a:ea typeface="+mn-ea"/>
+                <a:cs typeface="+mn-cs"/>
+              </a:defRPr>
+            </a:lvl3pPr>
+            <a:lvl4pPr marL="1386000" indent="-216000" algn="l" defTabSz="457200" rtl="0" eaLnBrk="1" latinLnBrk="0" hangingPunct="1">
+              <a:spcBef>
+                <a:spcPct val="20000"/>
+              </a:spcBef>
+              <a:spcAft>
+                <a:spcPts val="600"/>
+              </a:spcAft>
+              <a:buClr>
+                <a:schemeClr val="tx2"/>
+              </a:buClr>
+              <a:buSzPct val="70000"/>
+              <a:buFont typeface="Wingdings 2" charset="2"/>
+              <a:buChar char=""/>
+              <a:defRPr sz="1400" kern="1200">
+                <a:ln>
+                  <a:solidFill>
+                    <a:schemeClr val="bg1">
+                      <a:lumMod val="75000"/>
+                      <a:lumOff val="25000"/>
+                      <a:alpha val="10000"/>
+                    </a:schemeClr>
+                  </a:solidFill>
+                </a:ln>
+                <a:solidFill>
+                  <a:schemeClr val="tx2"/>
+                </a:solidFill>
+                <a:effectLst>
+                  <a:outerShdw blurRad="9525" dist="25400" dir="14640000" algn="tl" rotWithShape="0">
+                    <a:schemeClr val="bg1">
+                      <a:alpha val="30000"/>
+                    </a:schemeClr>
+                  </a:outerShdw>
+                </a:effectLst>
+                <a:latin typeface="+mn-lt"/>
+                <a:ea typeface="+mn-ea"/>
+                <a:cs typeface="+mn-cs"/>
+              </a:defRPr>
+            </a:lvl4pPr>
+            <a:lvl5pPr marL="1674000" indent="-216000" algn="l" defTabSz="457200" rtl="0" eaLnBrk="1" latinLnBrk="0" hangingPunct="1">
+              <a:spcBef>
+                <a:spcPct val="20000"/>
+              </a:spcBef>
+              <a:spcAft>
+                <a:spcPts val="600"/>
+              </a:spcAft>
+              <a:buClr>
+                <a:schemeClr val="tx2"/>
+              </a:buClr>
+              <a:buSzPct val="70000"/>
+              <a:buFont typeface="Wingdings 2" charset="2"/>
+              <a:buChar char=""/>
+              <a:defRPr sz="1400" kern="1200">
+                <a:ln>
+                  <a:solidFill>
+                    <a:schemeClr val="bg1">
+                      <a:lumMod val="75000"/>
+                      <a:lumOff val="25000"/>
+                      <a:alpha val="10000"/>
+                    </a:schemeClr>
+                  </a:solidFill>
+                </a:ln>
+                <a:solidFill>
+                  <a:schemeClr val="tx2"/>
+                </a:solidFill>
+                <a:effectLst>
+                  <a:outerShdw blurRad="9525" dist="25400" dir="14640000" algn="tl" rotWithShape="0">
+                    <a:schemeClr val="bg1">
+                      <a:alpha val="30000"/>
+                    </a:schemeClr>
+                  </a:outerShdw>
+                </a:effectLst>
+                <a:latin typeface="+mn-lt"/>
+                <a:ea typeface="+mn-ea"/>
+                <a:cs typeface="+mn-cs"/>
+              </a:defRPr>
+            </a:lvl5pPr>
+            <a:lvl6pPr marL="2014600" indent="-228600" algn="l" defTabSz="457200" rtl="0" eaLnBrk="1" latinLnBrk="0" hangingPunct="1">
+              <a:spcBef>
+                <a:spcPct val="20000"/>
+              </a:spcBef>
+              <a:spcAft>
+                <a:spcPts val="600"/>
+              </a:spcAft>
+              <a:buClr>
+                <a:schemeClr val="tx2"/>
+              </a:buClr>
+              <a:buSzPct val="70000"/>
+              <a:buFont typeface="Wingdings 2" charset="2"/>
+              <a:buChar char=""/>
+              <a:defRPr sz="1400" kern="1200">
+                <a:ln>
+                  <a:solidFill>
+                    <a:schemeClr val="bg1">
+                      <a:lumMod val="75000"/>
+                      <a:lumOff val="25000"/>
+                      <a:alpha val="10000"/>
+                    </a:schemeClr>
+                  </a:solidFill>
+                </a:ln>
+                <a:solidFill>
+                  <a:schemeClr val="tx2"/>
+                </a:solidFill>
+                <a:effectLst>
+                  <a:outerShdw blurRad="9525" dist="25400" dir="14640000" algn="tl" rotWithShape="0">
+                    <a:schemeClr val="bg1">
+                      <a:alpha val="30000"/>
+                    </a:schemeClr>
+                  </a:outerShdw>
+                </a:effectLst>
+                <a:latin typeface="+mn-lt"/>
+                <a:ea typeface="+mn-ea"/>
+                <a:cs typeface="+mn-cs"/>
+              </a:defRPr>
+            </a:lvl6pPr>
+            <a:lvl7pPr marL="2401800" indent="-228600" algn="l" defTabSz="457200" rtl="0" eaLnBrk="1" latinLnBrk="0" hangingPunct="1">
+              <a:spcBef>
+                <a:spcPct val="20000"/>
+              </a:spcBef>
+              <a:spcAft>
+                <a:spcPts val="600"/>
+              </a:spcAft>
+              <a:buClr>
+                <a:schemeClr val="tx2"/>
+              </a:buClr>
+              <a:buSzPct val="70000"/>
+              <a:buFont typeface="Wingdings 2" charset="2"/>
+              <a:buChar char=""/>
+              <a:defRPr sz="1400" kern="1200">
+                <a:ln>
+                  <a:solidFill>
+                    <a:schemeClr val="bg1">
+                      <a:lumMod val="75000"/>
+                      <a:lumOff val="25000"/>
+                      <a:alpha val="10000"/>
+                    </a:schemeClr>
+                  </a:solidFill>
+                </a:ln>
+                <a:solidFill>
+                  <a:schemeClr val="tx2"/>
+                </a:solidFill>
+                <a:effectLst>
+                  <a:outerShdw blurRad="9525" dist="25400" dir="14640000" algn="tl" rotWithShape="0">
+                    <a:schemeClr val="bg1">
+                      <a:alpha val="30000"/>
+                    </a:schemeClr>
+                  </a:outerShdw>
+                </a:effectLst>
+                <a:latin typeface="+mn-lt"/>
+                <a:ea typeface="+mn-ea"/>
+                <a:cs typeface="+mn-cs"/>
+              </a:defRPr>
+            </a:lvl7pPr>
+            <a:lvl8pPr marL="2789000" indent="-228600" algn="l" defTabSz="457200" rtl="0" eaLnBrk="1" latinLnBrk="0" hangingPunct="1">
+              <a:spcBef>
+                <a:spcPct val="20000"/>
+              </a:spcBef>
+              <a:spcAft>
+                <a:spcPts val="600"/>
+              </a:spcAft>
+              <a:buClr>
+                <a:schemeClr val="tx2"/>
+              </a:buClr>
+              <a:buSzPct val="70000"/>
+              <a:buFont typeface="Wingdings 2" charset="2"/>
+              <a:buChar char=""/>
+              <a:defRPr sz="1400" kern="1200">
+                <a:ln>
+                  <a:solidFill>
+                    <a:schemeClr val="bg1">
+                      <a:lumMod val="75000"/>
+                      <a:lumOff val="25000"/>
+                      <a:alpha val="10000"/>
+                    </a:schemeClr>
+                  </a:solidFill>
+                </a:ln>
+                <a:solidFill>
+                  <a:schemeClr val="tx2"/>
+                </a:solidFill>
+                <a:effectLst>
+                  <a:outerShdw blurRad="9525" dist="25400" dir="14640000" algn="tl" rotWithShape="0">
+                    <a:schemeClr val="bg1">
+                      <a:alpha val="30000"/>
+                    </a:schemeClr>
+                  </a:outerShdw>
+                </a:effectLst>
+                <a:latin typeface="+mn-lt"/>
+                <a:ea typeface="+mn-ea"/>
+                <a:cs typeface="+mn-cs"/>
+              </a:defRPr>
+            </a:lvl8pPr>
+            <a:lvl9pPr marL="3106200" indent="-228600" algn="l" defTabSz="457200" rtl="0" eaLnBrk="1" latinLnBrk="0" hangingPunct="1">
+              <a:spcBef>
+                <a:spcPct val="20000"/>
+              </a:spcBef>
+              <a:spcAft>
+                <a:spcPts val="600"/>
+              </a:spcAft>
+              <a:buClr>
+                <a:schemeClr val="tx2"/>
+              </a:buClr>
+              <a:buSzPct val="70000"/>
+              <a:buFont typeface="Wingdings 2" charset="2"/>
+              <a:buChar char=""/>
+              <a:defRPr sz="1400" kern="1200">
+                <a:ln>
+                  <a:solidFill>
+                    <a:schemeClr val="bg1">
+                      <a:lumMod val="75000"/>
+                      <a:lumOff val="25000"/>
+                      <a:alpha val="10000"/>
+                    </a:schemeClr>
+                  </a:solidFill>
+                </a:ln>
+                <a:solidFill>
+                  <a:schemeClr val="tx2"/>
+                </a:solidFill>
+                <a:effectLst>
+                  <a:outerShdw blurRad="9525" dist="25400" dir="14640000" algn="tl" rotWithShape="0">
+                    <a:schemeClr val="bg1">
+                      <a:alpha val="30000"/>
+                    </a:schemeClr>
+                  </a:outerShdw>
+                </a:effectLst>
+                <a:latin typeface="+mn-lt"/>
+                <a:ea typeface="+mn-ea"/>
+                <a:cs typeface="+mn-cs"/>
+              </a:defRPr>
+            </a:lvl9pPr>
+          </a:lstStyle>
+          <a:p>
+            <a:pPr algn="ctr"/>
             <a:endParaRPr lang="en-GB" dirty="0"/>
           </a:p>
           <a:p>
@@ -8159,57 +9266,6 @@
             <a:r>
               <a:rPr lang="en-GB" dirty="0"/>
               <a:t>Researching into GUI interfaces to implement for the game</a:t>
-            </a:r>
-          </a:p>
-          <a:p>
-            <a:pPr algn="ctr"/>
-            <a:endParaRPr lang="en-GB" dirty="0"/>
-          </a:p>
-          <a:p>
-            <a:pPr algn="ctr"/>
-            <a:r>
-              <a:rPr lang="en-GB" dirty="0"/>
-              <a:t>Modifying the Connect4 proof of concept to work </a:t>
-            </a:r>
-          </a:p>
-          <a:p>
-            <a:pPr marL="36900" indent="0" algn="ctr">
-              <a:buNone/>
-            </a:pPr>
-            <a:r>
-              <a:rPr lang="en-GB" dirty="0"/>
-              <a:t>with one real player and an AI opponent </a:t>
-            </a:r>
-          </a:p>
-          <a:p>
-            <a:pPr marL="36900" indent="0" algn="ctr">
-              <a:buNone/>
-            </a:pPr>
-            <a:endParaRPr lang="en-GB" dirty="0"/>
-          </a:p>
-          <a:p>
-            <a:pPr algn="ctr"/>
-            <a:r>
-              <a:rPr lang="en-GB" dirty="0"/>
-              <a:t>Using my knowledge from the bandit problem proof of concept </a:t>
-            </a:r>
-          </a:p>
-          <a:p>
-            <a:pPr marL="36900" indent="0" algn="ctr">
-              <a:buNone/>
-            </a:pPr>
-            <a:r>
-              <a:rPr lang="en-GB" dirty="0"/>
-              <a:t>and the research done into the Monte Carlo Tree Search Algorithm</a:t>
-            </a:r>
-          </a:p>
-          <a:p>
-            <a:pPr marL="36900" indent="0" algn="ctr">
-              <a:buNone/>
-            </a:pPr>
-            <a:r>
-              <a:rPr lang="en-GB" dirty="0"/>
-              <a:t>to successfully code an AI opponent to play Connect4.</a:t>
             </a:r>
           </a:p>
         </p:txBody>
@@ -8224,6 +9280,297 @@
   <p:clrMapOvr>
     <a:masterClrMapping/>
   </p:clrMapOvr>
+  <p:transition spd="slow">
+    <p:cover/>
+  </p:transition>
+  <p:timing>
+    <p:tnLst>
+      <p:par>
+        <p:cTn id="1" dur="indefinite" restart="never" nodeType="tmRoot">
+          <p:childTnLst>
+            <p:seq concurrent="1" nextAc="seek">
+              <p:cTn id="2" dur="indefinite" nodeType="mainSeq">
+                <p:childTnLst>
+                  <p:par>
+                    <p:cTn id="3" fill="hold">
+                      <p:stCondLst>
+                        <p:cond delay="indefinite"/>
+                      </p:stCondLst>
+                      <p:childTnLst>
+                        <p:par>
+                          <p:cTn id="4" fill="hold">
+                            <p:stCondLst>
+                              <p:cond delay="0"/>
+                            </p:stCondLst>
+                            <p:childTnLst>
+                              <p:par>
+                                <p:cTn id="5" presetID="10" presetClass="entr" presetSubtype="0" fill="hold" grpId="0" nodeType="clickEffect">
+                                  <p:stCondLst>
+                                    <p:cond delay="0"/>
+                                  </p:stCondLst>
+                                  <p:childTnLst>
+                                    <p:set>
+                                      <p:cBhvr>
+                                        <p:cTn id="6" dur="1" fill="hold">
+                                          <p:stCondLst>
+                                            <p:cond delay="0"/>
+                                          </p:stCondLst>
+                                        </p:cTn>
+                                        <p:tgtEl>
+                                          <p:spTgt spid="7"/>
+                                        </p:tgtEl>
+                                        <p:attrNameLst>
+                                          <p:attrName>style.visibility</p:attrName>
+                                        </p:attrNameLst>
+                                      </p:cBhvr>
+                                      <p:to>
+                                        <p:strVal val="visible"/>
+                                      </p:to>
+                                    </p:set>
+                                    <p:animEffect transition="in" filter="fade">
+                                      <p:cBhvr>
+                                        <p:cTn id="7" dur="500"/>
+                                        <p:tgtEl>
+                                          <p:spTgt spid="7"/>
+                                        </p:tgtEl>
+                                      </p:cBhvr>
+                                    </p:animEffect>
+                                  </p:childTnLst>
+                                </p:cTn>
+                              </p:par>
+                            </p:childTnLst>
+                          </p:cTn>
+                        </p:par>
+                      </p:childTnLst>
+                    </p:cTn>
+                  </p:par>
+                  <p:par>
+                    <p:cTn id="8" fill="hold">
+                      <p:stCondLst>
+                        <p:cond delay="indefinite"/>
+                      </p:stCondLst>
+                      <p:childTnLst>
+                        <p:par>
+                          <p:cTn id="9" fill="hold">
+                            <p:stCondLst>
+                              <p:cond delay="0"/>
+                            </p:stCondLst>
+                            <p:childTnLst>
+                              <p:par>
+                                <p:cTn id="10" presetID="10" presetClass="entr" presetSubtype="0" fill="hold" grpId="0" nodeType="clickEffect">
+                                  <p:stCondLst>
+                                    <p:cond delay="0"/>
+                                  </p:stCondLst>
+                                  <p:childTnLst>
+                                    <p:set>
+                                      <p:cBhvr>
+                                        <p:cTn id="11" dur="1" fill="hold">
+                                          <p:stCondLst>
+                                            <p:cond delay="0"/>
+                                          </p:stCondLst>
+                                        </p:cTn>
+                                        <p:tgtEl>
+                                          <p:spTgt spid="6"/>
+                                        </p:tgtEl>
+                                        <p:attrNameLst>
+                                          <p:attrName>style.visibility</p:attrName>
+                                        </p:attrNameLst>
+                                      </p:cBhvr>
+                                      <p:to>
+                                        <p:strVal val="visible"/>
+                                      </p:to>
+                                    </p:set>
+                                    <p:animEffect transition="in" filter="fade">
+                                      <p:cBhvr>
+                                        <p:cTn id="12" dur="500"/>
+                                        <p:tgtEl>
+                                          <p:spTgt spid="6"/>
+                                        </p:tgtEl>
+                                      </p:cBhvr>
+                                    </p:animEffect>
+                                  </p:childTnLst>
+                                </p:cTn>
+                              </p:par>
+                            </p:childTnLst>
+                          </p:cTn>
+                        </p:par>
+                      </p:childTnLst>
+                    </p:cTn>
+                  </p:par>
+                  <p:par>
+                    <p:cTn id="13" fill="hold">
+                      <p:stCondLst>
+                        <p:cond delay="indefinite"/>
+                      </p:stCondLst>
+                      <p:childTnLst>
+                        <p:par>
+                          <p:cTn id="14" fill="hold">
+                            <p:stCondLst>
+                              <p:cond delay="0"/>
+                            </p:stCondLst>
+                            <p:childTnLst>
+                              <p:par>
+                                <p:cTn id="15" presetID="10" presetClass="entr" presetSubtype="0" fill="hold" grpId="0" nodeType="clickEffect">
+                                  <p:stCondLst>
+                                    <p:cond delay="0"/>
+                                  </p:stCondLst>
+                                  <p:childTnLst>
+                                    <p:set>
+                                      <p:cBhvr>
+                                        <p:cTn id="16" dur="1" fill="hold">
+                                          <p:stCondLst>
+                                            <p:cond delay="0"/>
+                                          </p:stCondLst>
+                                        </p:cTn>
+                                        <p:tgtEl>
+                                          <p:spTgt spid="3">
+                                            <p:txEl>
+                                              <p:pRg st="0" end="0"/>
+                                            </p:txEl>
+                                          </p:spTgt>
+                                        </p:tgtEl>
+                                        <p:attrNameLst>
+                                          <p:attrName>style.visibility</p:attrName>
+                                        </p:attrNameLst>
+                                      </p:cBhvr>
+                                      <p:to>
+                                        <p:strVal val="visible"/>
+                                      </p:to>
+                                    </p:set>
+                                    <p:animEffect transition="in" filter="fade">
+                                      <p:cBhvr>
+                                        <p:cTn id="17" dur="500"/>
+                                        <p:tgtEl>
+                                          <p:spTgt spid="3">
+                                            <p:txEl>
+                                              <p:pRg st="0" end="0"/>
+                                            </p:txEl>
+                                          </p:spTgt>
+                                        </p:tgtEl>
+                                      </p:cBhvr>
+                                    </p:animEffect>
+                                  </p:childTnLst>
+                                </p:cTn>
+                              </p:par>
+                              <p:par>
+                                <p:cTn id="18" presetID="10" presetClass="entr" presetSubtype="0" fill="hold" grpId="0" nodeType="withEffect">
+                                  <p:stCondLst>
+                                    <p:cond delay="0"/>
+                                  </p:stCondLst>
+                                  <p:childTnLst>
+                                    <p:set>
+                                      <p:cBhvr>
+                                        <p:cTn id="19" dur="1" fill="hold">
+                                          <p:stCondLst>
+                                            <p:cond delay="0"/>
+                                          </p:stCondLst>
+                                        </p:cTn>
+                                        <p:tgtEl>
+                                          <p:spTgt spid="3">
+                                            <p:txEl>
+                                              <p:pRg st="1" end="1"/>
+                                            </p:txEl>
+                                          </p:spTgt>
+                                        </p:tgtEl>
+                                        <p:attrNameLst>
+                                          <p:attrName>style.visibility</p:attrName>
+                                        </p:attrNameLst>
+                                      </p:cBhvr>
+                                      <p:to>
+                                        <p:strVal val="visible"/>
+                                      </p:to>
+                                    </p:set>
+                                    <p:animEffect transition="in" filter="fade">
+                                      <p:cBhvr>
+                                        <p:cTn id="20" dur="500"/>
+                                        <p:tgtEl>
+                                          <p:spTgt spid="3">
+                                            <p:txEl>
+                                              <p:pRg st="1" end="1"/>
+                                            </p:txEl>
+                                          </p:spTgt>
+                                        </p:tgtEl>
+                                      </p:cBhvr>
+                                    </p:animEffect>
+                                  </p:childTnLst>
+                                </p:cTn>
+                              </p:par>
+                              <p:par>
+                                <p:cTn id="21" presetID="10" presetClass="entr" presetSubtype="0" fill="hold" grpId="0" nodeType="withEffect">
+                                  <p:stCondLst>
+                                    <p:cond delay="0"/>
+                                  </p:stCondLst>
+                                  <p:childTnLst>
+                                    <p:set>
+                                      <p:cBhvr>
+                                        <p:cTn id="22" dur="1" fill="hold">
+                                          <p:stCondLst>
+                                            <p:cond delay="0"/>
+                                          </p:stCondLst>
+                                        </p:cTn>
+                                        <p:tgtEl>
+                                          <p:spTgt spid="3">
+                                            <p:txEl>
+                                              <p:pRg st="2" end="2"/>
+                                            </p:txEl>
+                                          </p:spTgt>
+                                        </p:tgtEl>
+                                        <p:attrNameLst>
+                                          <p:attrName>style.visibility</p:attrName>
+                                        </p:attrNameLst>
+                                      </p:cBhvr>
+                                      <p:to>
+                                        <p:strVal val="visible"/>
+                                      </p:to>
+                                    </p:set>
+                                    <p:animEffect transition="in" filter="fade">
+                                      <p:cBhvr>
+                                        <p:cTn id="23" dur="500"/>
+                                        <p:tgtEl>
+                                          <p:spTgt spid="3">
+                                            <p:txEl>
+                                              <p:pRg st="2" end="2"/>
+                                            </p:txEl>
+                                          </p:spTgt>
+                                        </p:tgtEl>
+                                      </p:cBhvr>
+                                    </p:animEffect>
+                                  </p:childTnLst>
+                                </p:cTn>
+                              </p:par>
+                            </p:childTnLst>
+                          </p:cTn>
+                        </p:par>
+                      </p:childTnLst>
+                    </p:cTn>
+                  </p:par>
+                </p:childTnLst>
+              </p:cTn>
+              <p:prevCondLst>
+                <p:cond evt="onPrev" delay="0">
+                  <p:tgtEl>
+                    <p:sldTgt/>
+                  </p:tgtEl>
+                </p:cond>
+              </p:prevCondLst>
+              <p:nextCondLst>
+                <p:cond evt="onNext" delay="0">
+                  <p:tgtEl>
+                    <p:sldTgt/>
+                  </p:tgtEl>
+                </p:cond>
+              </p:nextCondLst>
+            </p:seq>
+          </p:childTnLst>
+        </p:cTn>
+      </p:par>
+    </p:tnLst>
+    <p:bldLst>
+      <p:bldP spid="3" grpId="0" uiExpand="1" build="p"/>
+      <p:bldP spid="6" grpId="0"/>
+      <p:bldP spid="7" grpId="0"/>
+    </p:bldLst>
+  </p:timing>
 </p:sld>
 </file>
 
@@ -8287,13 +9634,13 @@
         </p:nvSpPr>
         <p:spPr>
           <a:xfrm>
-            <a:off x="659661" y="1679225"/>
-            <a:ext cx="3382832" cy="3499549"/>
+            <a:off x="659661" y="1679226"/>
+            <a:ext cx="3382832" cy="1172616"/>
           </a:xfrm>
         </p:spPr>
         <p:txBody>
           <a:bodyPr vert="horz" lIns="91440" tIns="45720" rIns="91440" bIns="45720" rtlCol="0" anchor="b">
-            <a:normAutofit fontScale="90000"/>
+            <a:normAutofit/>
           </a:bodyPr>
           <a:lstStyle/>
           <a:p>
@@ -8305,37 +9652,6 @@
             <a:r>
               <a:rPr lang="en-US" sz="3900" dirty="0"/>
               <a:t>Any Questions?</a:t>
-            </a:r>
-            <a:br>
-              <a:rPr lang="en-US" sz="3900" dirty="0"/>
-            </a:br>
-            <a:br>
-              <a:rPr lang="en-US" sz="3900" dirty="0"/>
-            </a:br>
-            <a:r>
-              <a:rPr lang="en-US" sz="3900" dirty="0"/>
-              <a:t>&amp;</a:t>
-            </a:r>
-            <a:br>
-              <a:rPr lang="en-US" sz="3900" dirty="0"/>
-            </a:br>
-            <a:r>
-              <a:rPr lang="en-US" sz="3900" dirty="0"/>
-              <a:t>Thank You</a:t>
-            </a:r>
-            <a:br>
-              <a:rPr lang="en-US" sz="3900" dirty="0"/>
-            </a:br>
-            <a:r>
-              <a:rPr lang="en-US" sz="3900" dirty="0"/>
-              <a:t>for </a:t>
-            </a:r>
-            <a:br>
-              <a:rPr lang="en-US" sz="3900" dirty="0"/>
-            </a:br>
-            <a:r>
-              <a:rPr lang="en-US" sz="3900" dirty="0"/>
-              <a:t>Listening</a:t>
             </a:r>
           </a:p>
         </p:txBody>
@@ -8473,6 +9789,162 @@
           </a:extLst>
         </p:spPr>
       </p:pic>
+      <p:sp>
+        <p:nvSpPr>
+          <p:cNvPr id="3" name="Title 1">
+            <a:extLst>
+              <a:ext uri="{FF2B5EF4-FFF2-40B4-BE49-F238E27FC236}">
+                <a16:creationId xmlns:a16="http://schemas.microsoft.com/office/drawing/2014/main" id="{80B3D015-6843-D231-D2C3-0DA33E2A1B18}"/>
+              </a:ext>
+            </a:extLst>
+          </p:cNvPr>
+          <p:cNvSpPr txBox="1">
+            <a:spLocks/>
+          </p:cNvSpPr>
+          <p:nvPr/>
+        </p:nvSpPr>
+        <p:spPr>
+          <a:xfrm>
+            <a:off x="659660" y="1487594"/>
+            <a:ext cx="3382832" cy="3499549"/>
+          </a:xfrm>
+          <a:prstGeom prst="rect">
+            <a:avLst/>
+          </a:prstGeom>
+          <a:effectLst>
+            <a:outerShdw blurRad="25400" dir="17880000">
+              <a:srgbClr val="000000">
+                <a:alpha val="46000"/>
+              </a:srgbClr>
+            </a:outerShdw>
+          </a:effectLst>
+        </p:spPr>
+        <p:txBody>
+          <a:bodyPr vert="horz" lIns="91440" tIns="45720" rIns="91440" bIns="45720" rtlCol="0" anchor="b">
+            <a:normAutofit fontScale="97500"/>
+          </a:bodyPr>
+          <a:lstStyle>
+            <a:lvl1pPr algn="ctr" defTabSz="457200" rtl="0" eaLnBrk="1" latinLnBrk="0" hangingPunct="1">
+              <a:spcBef>
+                <a:spcPct val="0"/>
+              </a:spcBef>
+              <a:buNone/>
+              <a:defRPr sz="4000" kern="1200">
+                <a:ln>
+                  <a:solidFill>
+                    <a:schemeClr val="bg1">
+                      <a:lumMod val="75000"/>
+                      <a:lumOff val="25000"/>
+                      <a:alpha val="10000"/>
+                    </a:schemeClr>
+                  </a:solidFill>
+                </a:ln>
+                <a:solidFill>
+                  <a:schemeClr val="tx2"/>
+                </a:solidFill>
+                <a:effectLst>
+                  <a:outerShdw blurRad="9525" dist="25400" dir="14640000" algn="tl" rotWithShape="0">
+                    <a:schemeClr val="bg1">
+                      <a:alpha val="30000"/>
+                    </a:schemeClr>
+                  </a:outerShdw>
+                </a:effectLst>
+                <a:latin typeface="+mj-lt"/>
+                <a:ea typeface="+mj-ea"/>
+                <a:cs typeface="Trebuchet MS"/>
+              </a:defRPr>
+            </a:lvl1pPr>
+            <a:lvl2pPr eaLnBrk="1" hangingPunct="1">
+              <a:defRPr>
+                <a:solidFill>
+                  <a:schemeClr val="tx2"/>
+                </a:solidFill>
+              </a:defRPr>
+            </a:lvl2pPr>
+            <a:lvl3pPr eaLnBrk="1" hangingPunct="1">
+              <a:defRPr>
+                <a:solidFill>
+                  <a:schemeClr val="tx2"/>
+                </a:solidFill>
+              </a:defRPr>
+            </a:lvl3pPr>
+            <a:lvl4pPr eaLnBrk="1" hangingPunct="1">
+              <a:defRPr>
+                <a:solidFill>
+                  <a:schemeClr val="tx2"/>
+                </a:solidFill>
+              </a:defRPr>
+            </a:lvl4pPr>
+            <a:lvl5pPr eaLnBrk="1" hangingPunct="1">
+              <a:defRPr>
+                <a:solidFill>
+                  <a:schemeClr val="tx2"/>
+                </a:solidFill>
+              </a:defRPr>
+            </a:lvl5pPr>
+            <a:lvl6pPr eaLnBrk="1" hangingPunct="1">
+              <a:defRPr>
+                <a:solidFill>
+                  <a:schemeClr val="tx2"/>
+                </a:solidFill>
+              </a:defRPr>
+            </a:lvl6pPr>
+            <a:lvl7pPr eaLnBrk="1" hangingPunct="1">
+              <a:defRPr>
+                <a:solidFill>
+                  <a:schemeClr val="tx2"/>
+                </a:solidFill>
+              </a:defRPr>
+            </a:lvl7pPr>
+            <a:lvl8pPr eaLnBrk="1" hangingPunct="1">
+              <a:defRPr>
+                <a:solidFill>
+                  <a:schemeClr val="tx2"/>
+                </a:solidFill>
+              </a:defRPr>
+            </a:lvl8pPr>
+            <a:lvl9pPr eaLnBrk="1" hangingPunct="1">
+              <a:defRPr>
+                <a:solidFill>
+                  <a:schemeClr val="tx2"/>
+                </a:solidFill>
+              </a:defRPr>
+            </a:lvl9pPr>
+          </a:lstStyle>
+          <a:p>
+            <a:pPr>
+              <a:lnSpc>
+                <a:spcPct val="90000"/>
+              </a:lnSpc>
+            </a:pPr>
+            <a:r>
+              <a:rPr lang="en-US" sz="3900" dirty="0"/>
+              <a:t>&amp;</a:t>
+            </a:r>
+            <a:br>
+              <a:rPr lang="en-US" sz="3900" dirty="0"/>
+            </a:br>
+            <a:r>
+              <a:rPr lang="en-US" sz="3900" dirty="0"/>
+              <a:t>Thank You</a:t>
+            </a:r>
+            <a:br>
+              <a:rPr lang="en-US" sz="3900" dirty="0"/>
+            </a:br>
+            <a:r>
+              <a:rPr lang="en-US" sz="3900" dirty="0"/>
+              <a:t>for </a:t>
+            </a:r>
+            <a:br>
+              <a:rPr lang="en-US" sz="3900" dirty="0"/>
+            </a:br>
+            <a:r>
+              <a:rPr lang="en-US" sz="3900" dirty="0"/>
+              <a:t>Listening</a:t>
+            </a:r>
+          </a:p>
+        </p:txBody>
+      </p:sp>
     </p:spTree>
     <p:extLst>
       <p:ext uri="{BB962C8B-B14F-4D97-AF65-F5344CB8AC3E}">
@@ -8483,6 +9955,149 @@
   <p:clrMapOvr>
     <a:masterClrMapping/>
   </p:clrMapOvr>
+  <p:transition spd="slow">
+    <p:cover/>
+  </p:transition>
+  <p:timing>
+    <p:tnLst>
+      <p:par>
+        <p:cTn id="1" dur="indefinite" restart="never" nodeType="tmRoot">
+          <p:childTnLst>
+            <p:seq concurrent="1" nextAc="seek">
+              <p:cTn id="2" dur="indefinite" nodeType="mainSeq">
+                <p:childTnLst>
+                  <p:par>
+                    <p:cTn id="3" fill="hold">
+                      <p:stCondLst>
+                        <p:cond delay="indefinite"/>
+                      </p:stCondLst>
+                      <p:childTnLst>
+                        <p:par>
+                          <p:cTn id="4" fill="hold">
+                            <p:stCondLst>
+                              <p:cond delay="0"/>
+                            </p:stCondLst>
+                            <p:childTnLst>
+                              <p:par>
+                                <p:cTn id="5" presetID="10" presetClass="entr" presetSubtype="0" fill="hold" grpId="0" nodeType="clickEffect">
+                                  <p:stCondLst>
+                                    <p:cond delay="0"/>
+                                  </p:stCondLst>
+                                  <p:childTnLst>
+                                    <p:set>
+                                      <p:cBhvr>
+                                        <p:cTn id="6" dur="1" fill="hold">
+                                          <p:stCondLst>
+                                            <p:cond delay="0"/>
+                                          </p:stCondLst>
+                                        </p:cTn>
+                                        <p:tgtEl>
+                                          <p:spTgt spid="2"/>
+                                        </p:tgtEl>
+                                        <p:attrNameLst>
+                                          <p:attrName>style.visibility</p:attrName>
+                                        </p:attrNameLst>
+                                      </p:cBhvr>
+                                      <p:to>
+                                        <p:strVal val="visible"/>
+                                      </p:to>
+                                    </p:set>
+                                    <p:animEffect transition="in" filter="fade">
+                                      <p:cBhvr>
+                                        <p:cTn id="7" dur="500"/>
+                                        <p:tgtEl>
+                                          <p:spTgt spid="2"/>
+                                        </p:tgtEl>
+                                      </p:cBhvr>
+                                    </p:animEffect>
+                                  </p:childTnLst>
+                                </p:cTn>
+                              </p:par>
+                            </p:childTnLst>
+                          </p:cTn>
+                        </p:par>
+                      </p:childTnLst>
+                    </p:cTn>
+                  </p:par>
+                  <p:par>
+                    <p:cTn id="8" fill="hold">
+                      <p:stCondLst>
+                        <p:cond delay="indefinite"/>
+                      </p:stCondLst>
+                      <p:childTnLst>
+                        <p:par>
+                          <p:cTn id="9" fill="hold">
+                            <p:stCondLst>
+                              <p:cond delay="0"/>
+                            </p:stCondLst>
+                            <p:childTnLst>
+                              <p:par>
+                                <p:cTn id="10" presetID="10" presetClass="entr" presetSubtype="0" fill="hold" grpId="0" nodeType="clickEffect">
+                                  <p:stCondLst>
+                                    <p:cond delay="0"/>
+                                  </p:stCondLst>
+                                  <p:childTnLst>
+                                    <p:set>
+                                      <p:cBhvr>
+                                        <p:cTn id="11" dur="1" fill="hold">
+                                          <p:stCondLst>
+                                            <p:cond delay="0"/>
+                                          </p:stCondLst>
+                                        </p:cTn>
+                                        <p:tgtEl>
+                                          <p:spTgt spid="3"/>
+                                        </p:tgtEl>
+                                        <p:attrNameLst>
+                                          <p:attrName>style.visibility</p:attrName>
+                                        </p:attrNameLst>
+                                      </p:cBhvr>
+                                      <p:to>
+                                        <p:strVal val="visible"/>
+                                      </p:to>
+                                    </p:set>
+                                    <p:animEffect transition="in" filter="fade">
+                                      <p:cBhvr>
+                                        <p:cTn id="12" dur="500"/>
+                                        <p:tgtEl>
+                                          <p:spTgt spid="3"/>
+                                        </p:tgtEl>
+                                      </p:cBhvr>
+                                    </p:animEffect>
+                                  </p:childTnLst>
+                                </p:cTn>
+                              </p:par>
+                            </p:childTnLst>
+                          </p:cTn>
+                        </p:par>
+                      </p:childTnLst>
+                    </p:cTn>
+                  </p:par>
+                </p:childTnLst>
+              </p:cTn>
+              <p:prevCondLst>
+                <p:cond evt="onPrev" delay="0">
+                  <p:tgtEl>
+                    <p:sldTgt/>
+                  </p:tgtEl>
+                </p:cond>
+              </p:prevCondLst>
+              <p:nextCondLst>
+                <p:cond evt="onNext" delay="0">
+                  <p:tgtEl>
+                    <p:sldTgt/>
+                  </p:tgtEl>
+                </p:cond>
+              </p:nextCondLst>
+            </p:seq>
+          </p:childTnLst>
+        </p:cTn>
+      </p:par>
+    </p:tnLst>
+    <p:bldLst>
+      <p:bldP spid="2" grpId="0"/>
+      <p:bldP spid="3" grpId="0"/>
+    </p:bldLst>
+  </p:timing>
 </p:sld>
 </file>
 
